--- a/Database System pj presentation.pptx
+++ b/Database System pj presentation.pptx
@@ -3989,7 +3989,7 @@
             <a:buNone/>
           </a:pPr>
           <a:r>
-            <a:rPr lang="zh-CN" sz="1700" kern="1200">
+            <a:rPr lang="en-US" altLang="zh-CN" sz="1700" kern="1200">
               <a:solidFill>
                 <a:srgbClr val="000000"/>
               </a:solidFill>
@@ -7321,7 +7321,7 @@
           </a:lstStyle>
           <a:p>
             <a:fld id="{67BE5682-5114-49C3-8F38-10673DE1CE80}" type="datetimeFigureOut">
-              <a:t>2023/10/19</a:t>
+              <a:t>2023-10-19</a:t>
             </a:fld>
             <a:endParaRPr lang="en-US"/>
           </a:p>
@@ -26348,7 +26348,7 @@
         <p:spPr>
           <a:xfrm>
             <a:off x="565150" y="2107277"/>
-            <a:ext cx="8791501" cy="2866405"/>
+            <a:ext cx="8791501" cy="1321723"/>
           </a:xfrm>
         </p:spPr>
         <p:txBody>
@@ -26363,7 +26363,7 @@
               </a:lnSpc>
             </a:pPr>
             <a:r>
-              <a:rPr lang="en-US" altLang="zh-CN" sz="7200"/>
+              <a:rPr lang="en-US" altLang="zh-CN" sz="7200" dirty="0"/>
               <a:t>Thanks</a:t>
             </a:r>
           </a:p>
@@ -27281,6 +27281,69 @@
           </p:txBody>
         </p:sp>
       </p:grpSp>
+      <p:sp>
+        <p:nvSpPr>
+          <p:cNvPr id="3" name="文本框 2">
+            <a:extLst>
+              <a:ext uri="{FF2B5EF4-FFF2-40B4-BE49-F238E27FC236}">
+                <a16:creationId xmlns:a16="http://schemas.microsoft.com/office/drawing/2014/main" id="{042E7084-6563-2C7C-E950-86416BAC3C5B}"/>
+              </a:ext>
+            </a:extLst>
+          </p:cNvPr>
+          <p:cNvSpPr txBox="1"/>
+          <p:nvPr/>
+        </p:nvSpPr>
+        <p:spPr>
+          <a:xfrm flipH="1">
+            <a:off x="754057" y="4043966"/>
+            <a:ext cx="7617211" cy="369332"/>
+          </a:xfrm>
+          <a:prstGeom prst="rect">
+            <a:avLst/>
+          </a:prstGeom>
+          <a:noFill/>
+        </p:spPr>
+        <p:txBody>
+          <a:bodyPr wrap="square" rtlCol="0">
+            <a:spAutoFit/>
+          </a:bodyPr>
+          <a:lstStyle/>
+          <a:p>
+            <a:r>
+              <a:rPr lang="en-US" altLang="zh-CN" dirty="0" err="1">
+                <a:latin typeface="Times" panose="02020603050405020304" pitchFamily="18" charset="0"/>
+                <a:cs typeface="Times" panose="02020603050405020304" pitchFamily="18" charset="0"/>
+              </a:rPr>
+              <a:t>Github</a:t>
+            </a:r>
+            <a:r>
+              <a:rPr lang="en-US" altLang="zh-CN" dirty="0">
+                <a:latin typeface="Times" panose="02020603050405020304" pitchFamily="18" charset="0"/>
+                <a:cs typeface="Times" panose="02020603050405020304" pitchFamily="18" charset="0"/>
+              </a:rPr>
+              <a:t> repository:</a:t>
+            </a:r>
+            <a:r>
+              <a:rPr lang="zh-CN" altLang="en-US" dirty="0">
+                <a:latin typeface="Times" panose="02020603050405020304" pitchFamily="18" charset="0"/>
+                <a:cs typeface="Times" panose="02020603050405020304" pitchFamily="18" charset="0"/>
+              </a:rPr>
+              <a:t> </a:t>
+            </a:r>
+            <a:r>
+              <a:rPr lang="en-US" altLang="zh-CN" dirty="0">
+                <a:latin typeface="Times" panose="02020603050405020304" pitchFamily="18" charset="0"/>
+                <a:cs typeface="Times" panose="02020603050405020304" pitchFamily="18" charset="0"/>
+              </a:rPr>
+              <a:t>https://github.com/cnlhl/CSE111-project.git</a:t>
+            </a:r>
+            <a:endParaRPr lang="zh-CN" altLang="en-US" dirty="0">
+              <a:latin typeface="Times" panose="02020603050405020304" pitchFamily="18" charset="0"/>
+              <a:cs typeface="Times" panose="02020603050405020304" pitchFamily="18" charset="0"/>
+            </a:endParaRPr>
+          </a:p>
+        </p:txBody>
+      </p:sp>
     </p:spTree>
     <p:extLst>
       <p:ext uri="{BB962C8B-B14F-4D97-AF65-F5344CB8AC3E}">

--- a/Database System pj presentation.pptx
+++ b/Database System pj presentation.pptx
@@ -2,19 +2,19 @@
 <file path=ppt/presentation.xml><?xml version="1.0" encoding="utf-8"?>
 <p:presentation xmlns:a="http://schemas.openxmlformats.org/drawingml/2006/main" xmlns:r="http://schemas.openxmlformats.org/officeDocument/2006/relationships" xmlns:p="http://schemas.openxmlformats.org/presentationml/2006/main" saveSubsetFonts="1">
   <p:sldMasterIdLst>
-    <p:sldMasterId id="2147483751" r:id="rId1"/>
+    <p:sldMasterId id="2147483751" r:id="rId4"/>
   </p:sldMasterIdLst>
   <p:notesMasterIdLst>
-    <p:notesMasterId r:id="rId9"/>
+    <p:notesMasterId r:id="rId12"/>
   </p:notesMasterIdLst>
   <p:sldIdLst>
-    <p:sldId id="256" r:id="rId2"/>
-    <p:sldId id="257" r:id="rId3"/>
-    <p:sldId id="258" r:id="rId4"/>
-    <p:sldId id="259" r:id="rId5"/>
-    <p:sldId id="260" r:id="rId6"/>
-    <p:sldId id="261" r:id="rId7"/>
-    <p:sldId id="262" r:id="rId8"/>
+    <p:sldId id="256" r:id="rId5"/>
+    <p:sldId id="257" r:id="rId6"/>
+    <p:sldId id="258" r:id="rId7"/>
+    <p:sldId id="259" r:id="rId8"/>
+    <p:sldId id="260" r:id="rId9"/>
+    <p:sldId id="261" r:id="rId10"/>
+    <p:sldId id="262" r:id="rId11"/>
   </p:sldIdLst>
   <p:sldSz cx="12192000" cy="6858000"/>
   <p:notesSz cx="6858000" cy="9144000"/>
@@ -124,9 +124,7 @@
 <file path=ppt/revisionInfo.xml><?xml version="1.0" encoding="utf-8"?>
 <p1510:revInfo xmlns:a="http://schemas.openxmlformats.org/drawingml/2006/main" xmlns:r="http://schemas.openxmlformats.org/officeDocument/2006/relationships" xmlns:p1510="http://schemas.microsoft.com/office/powerpoint/2015/10/main">
   <p1510:revLst>
-    <p1510:client id="{0F8FEDB7-F440-B728-17B4-A5D7D7CC38A6}" v="87" dt="2023-10-19T06:34:50.347"/>
-    <p1510:client id="{2AE53F0A-3CE7-45B7-9FCE-225CC47C3836}" v="112" dt="2023-10-19T05:29:40.097"/>
-    <p1510:client id="{D42940C5-335E-A96C-BE30-AC035884E8E9}" v="12" dt="2023-10-19T06:20:16.028"/>
+    <p1510:client id="{51BB4671-27C4-4F5C-9784-ADCFD6DCA7DC}" v="6" dt="2023-10-19T21:36:27.841"/>
   </p1510:revLst>
 </p1510:revInfo>
 </file>
@@ -3989,7 +3987,7 @@
             <a:buNone/>
           </a:pPr>
           <a:r>
-            <a:rPr lang="en-US" altLang="zh-CN" sz="1700" kern="1200">
+            <a:rPr lang="zh-CN" sz="1700" kern="1200">
               <a:solidFill>
                 <a:srgbClr val="000000"/>
               </a:solidFill>
@@ -7321,7 +7319,7 @@
           </a:lstStyle>
           <a:p>
             <a:fld id="{67BE5682-5114-49C3-8F38-10673DE1CE80}" type="datetimeFigureOut">
-              <a:t>2023-10-19</a:t>
+              <a:t>2023/10/19</a:t>
             </a:fld>
             <a:endParaRPr lang="en-US"/>
           </a:p>
@@ -23750,6 +23748,14 @@
 <file path=ppt/slides/slide5.xml><?xml version="1.0" encoding="utf-8"?>
 <p:sld xmlns:a="http://schemas.openxmlformats.org/drawingml/2006/main" xmlns:r="http://schemas.openxmlformats.org/officeDocument/2006/relationships" xmlns:p="http://schemas.openxmlformats.org/presentationml/2006/main">
   <p:cSld>
+    <p:bg>
+      <p:bgPr>
+        <a:solidFill>
+          <a:schemeClr val="bg1"/>
+        </a:solidFill>
+        <a:effectLst/>
+      </p:bgPr>
+    </p:bg>
     <p:spTree>
       <p:nvGrpSpPr>
         <p:cNvPr id="1" name=""/>
@@ -23764,6 +23770,2377 @@
           <a:chExt cx="0" cy="0"/>
         </a:xfrm>
       </p:grpSpPr>
+      <p:grpSp>
+        <p:nvGrpSpPr>
+          <p:cNvPr id="1031" name="Group 1030">
+            <a:extLst>
+              <a:ext uri="{FF2B5EF4-FFF2-40B4-BE49-F238E27FC236}">
+                <a16:creationId xmlns:a16="http://schemas.microsoft.com/office/drawing/2014/main" id="{EB46B8FB-F6A2-5F47-A6CD-A7E17E69270F}"/>
+              </a:ext>
+              <a:ext uri="{C183D7F6-B498-43B3-948B-1728B52AA6E4}">
+                <adec:decorative xmlns:adec="http://schemas.microsoft.com/office/drawing/2017/decorative" val="1"/>
+              </a:ext>
+            </a:extLst>
+          </p:cNvPr>
+          <p:cNvGrpSpPr>
+            <a:grpSpLocks noGrp="1" noUngrp="1" noRot="1" noChangeAspect="1" noMove="1" noResize="1"/>
+          </p:cNvGrpSpPr>
+          <p:nvPr>
+            <p:extLst>
+              <p:ext uri="{386F3935-93C4-4BCD-93E2-E3B085C9AB24}">
+                <p16:designElem xmlns:p16="http://schemas.microsoft.com/office/powerpoint/2015/main" val="1"/>
+              </p:ext>
+            </p:extLst>
+          </p:nvPr>
+        </p:nvGrpSpPr>
+        <p:grpSpPr>
+          <a:xfrm>
+            <a:off x="6201388" y="0"/>
+            <a:ext cx="5990612" cy="6858001"/>
+            <a:chOff x="6201388" y="0"/>
+            <a:chExt cx="5990612" cy="6858001"/>
+          </a:xfrm>
+        </p:grpSpPr>
+        <p:sp>
+          <p:nvSpPr>
+            <p:cNvPr id="1032" name="Oval 1031">
+              <a:extLst>
+                <a:ext uri="{FF2B5EF4-FFF2-40B4-BE49-F238E27FC236}">
+                  <a16:creationId xmlns:a16="http://schemas.microsoft.com/office/drawing/2014/main" id="{419BDE93-3EC2-4E4D-BC0B-417378F49EDA}"/>
+                </a:ext>
+                <a:ext uri="{C183D7F6-B498-43B3-948B-1728B52AA6E4}">
+                  <adec:decorative xmlns:adec="http://schemas.microsoft.com/office/drawing/2017/decorative" val="1"/>
+                </a:ext>
+              </a:extLst>
+            </p:cNvPr>
+            <p:cNvSpPr/>
+            <p:nvPr>
+              <p:extLst>
+                <p:ext uri="{386F3935-93C4-4BCD-93E2-E3B085C9AB24}">
+                  <p16:designElem xmlns:p16="http://schemas.microsoft.com/office/powerpoint/2015/main" val="1"/>
+                </p:ext>
+              </p:extLst>
+            </p:nvPr>
+          </p:nvSpPr>
+          <p:spPr>
+            <a:xfrm>
+              <a:off x="6201388" y="3549396"/>
+              <a:ext cx="1130725" cy="1130724"/>
+            </a:xfrm>
+            <a:prstGeom prst="ellipse">
+              <a:avLst/>
+            </a:prstGeom>
+            <a:solidFill>
+              <a:schemeClr val="bg2"/>
+            </a:solidFill>
+            <a:ln>
+              <a:noFill/>
+            </a:ln>
+          </p:spPr>
+          <p:style>
+            <a:lnRef idx="2">
+              <a:schemeClr val="accent1">
+                <a:shade val="50000"/>
+              </a:schemeClr>
+            </a:lnRef>
+            <a:fillRef idx="1">
+              <a:schemeClr val="accent1"/>
+            </a:fillRef>
+            <a:effectRef idx="0">
+              <a:schemeClr val="accent1"/>
+            </a:effectRef>
+            <a:fontRef idx="minor">
+              <a:schemeClr val="lt1"/>
+            </a:fontRef>
+          </p:style>
+          <p:txBody>
+            <a:bodyPr rtlCol="0" anchor="ctr"/>
+            <a:lstStyle/>
+            <a:p>
+              <a:pPr algn="ctr"/>
+              <a:endParaRPr lang="en-US"/>
+            </a:p>
+          </p:txBody>
+        </p:sp>
+        <p:sp>
+          <p:nvSpPr>
+            <p:cNvPr id="1033" name="Freeform 46">
+              <a:extLst>
+                <a:ext uri="{FF2B5EF4-FFF2-40B4-BE49-F238E27FC236}">
+                  <a16:creationId xmlns:a16="http://schemas.microsoft.com/office/drawing/2014/main" id="{FE21F82F-1EE5-8240-97F8-387DF0253FCE}"/>
+                </a:ext>
+                <a:ext uri="{C183D7F6-B498-43B3-948B-1728B52AA6E4}">
+                  <adec:decorative xmlns:adec="http://schemas.microsoft.com/office/drawing/2017/decorative" val="1"/>
+                </a:ext>
+              </a:extLst>
+            </p:cNvPr>
+            <p:cNvSpPr/>
+            <p:nvPr>
+              <p:extLst>
+                <p:ext uri="{386F3935-93C4-4BCD-93E2-E3B085C9AB24}">
+                  <p16:designElem xmlns:p16="http://schemas.microsoft.com/office/powerpoint/2015/main" val="1"/>
+                </p:ext>
+              </p:extLst>
+            </p:nvPr>
+          </p:nvSpPr>
+          <p:spPr>
+            <a:xfrm>
+              <a:off x="6201389" y="1"/>
+              <a:ext cx="1130725" cy="565575"/>
+            </a:xfrm>
+            <a:custGeom>
+              <a:avLst/>
+              <a:gdLst>
+                <a:gd name="connsiteX0" fmla="*/ 21 w 1130725"/>
+                <a:gd name="connsiteY0" fmla="*/ 0 h 565575"/>
+                <a:gd name="connsiteX1" fmla="*/ 1130704 w 1130725"/>
+                <a:gd name="connsiteY1" fmla="*/ 0 h 565575"/>
+                <a:gd name="connsiteX2" fmla="*/ 1130725 w 1130725"/>
+                <a:gd name="connsiteY2" fmla="*/ 213 h 565575"/>
+                <a:gd name="connsiteX3" fmla="*/ 565362 w 1130725"/>
+                <a:gd name="connsiteY3" fmla="*/ 565575 h 565575"/>
+                <a:gd name="connsiteX4" fmla="*/ 0 w 1130725"/>
+                <a:gd name="connsiteY4" fmla="*/ 213 h 565575"/>
+              </a:gdLst>
+              <a:ahLst/>
+              <a:cxnLst>
+                <a:cxn ang="0">
+                  <a:pos x="connsiteX0" y="connsiteY0"/>
+                </a:cxn>
+                <a:cxn ang="0">
+                  <a:pos x="connsiteX1" y="connsiteY1"/>
+                </a:cxn>
+                <a:cxn ang="0">
+                  <a:pos x="connsiteX2" y="connsiteY2"/>
+                </a:cxn>
+                <a:cxn ang="0">
+                  <a:pos x="connsiteX3" y="connsiteY3"/>
+                </a:cxn>
+                <a:cxn ang="0">
+                  <a:pos x="connsiteX4" y="connsiteY4"/>
+                </a:cxn>
+              </a:cxnLst>
+              <a:rect l="l" t="t" r="r" b="b"/>
+              <a:pathLst>
+                <a:path w="1130725" h="565575">
+                  <a:moveTo>
+                    <a:pt x="21" y="0"/>
+                  </a:moveTo>
+                  <a:lnTo>
+                    <a:pt x="1130704" y="0"/>
+                  </a:lnTo>
+                  <a:lnTo>
+                    <a:pt x="1130725" y="213"/>
+                  </a:lnTo>
+                  <a:cubicBezTo>
+                    <a:pt x="1130725" y="312454"/>
+                    <a:pt x="877604" y="565575"/>
+                    <a:pt x="565362" y="565575"/>
+                  </a:cubicBezTo>
+                  <a:cubicBezTo>
+                    <a:pt x="253121" y="565575"/>
+                    <a:pt x="0" y="312454"/>
+                    <a:pt x="0" y="213"/>
+                  </a:cubicBezTo>
+                  <a:close/>
+                </a:path>
+              </a:pathLst>
+            </a:custGeom>
+            <a:solidFill>
+              <a:schemeClr val="bg2"/>
+            </a:solidFill>
+            <a:ln>
+              <a:noFill/>
+            </a:ln>
+          </p:spPr>
+          <p:style>
+            <a:lnRef idx="2">
+              <a:schemeClr val="accent1">
+                <a:shade val="50000"/>
+              </a:schemeClr>
+            </a:lnRef>
+            <a:fillRef idx="1">
+              <a:schemeClr val="accent1"/>
+            </a:fillRef>
+            <a:effectRef idx="0">
+              <a:schemeClr val="accent1"/>
+            </a:effectRef>
+            <a:fontRef idx="minor">
+              <a:schemeClr val="lt1"/>
+            </a:fontRef>
+          </p:style>
+          <p:txBody>
+            <a:bodyPr wrap="square" rtlCol="0" anchor="ctr">
+              <a:noAutofit/>
+            </a:bodyPr>
+            <a:lstStyle/>
+            <a:p>
+              <a:pPr algn="ctr"/>
+              <a:endParaRPr lang="en-US"/>
+            </a:p>
+          </p:txBody>
+        </p:sp>
+        <p:sp>
+          <p:nvSpPr>
+            <p:cNvPr id="1034" name="Freeform 48">
+              <a:extLst>
+                <a:ext uri="{FF2B5EF4-FFF2-40B4-BE49-F238E27FC236}">
+                  <a16:creationId xmlns:a16="http://schemas.microsoft.com/office/drawing/2014/main" id="{AE1903E3-6B5F-6B4C-9A1F-62628A050AEB}"/>
+                </a:ext>
+                <a:ext uri="{C183D7F6-B498-43B3-948B-1728B52AA6E4}">
+                  <adec:decorative xmlns:adec="http://schemas.microsoft.com/office/drawing/2017/decorative" val="1"/>
+                </a:ext>
+              </a:extLst>
+            </p:cNvPr>
+            <p:cNvSpPr/>
+            <p:nvPr>
+              <p:extLst>
+                <p:ext uri="{386F3935-93C4-4BCD-93E2-E3B085C9AB24}">
+                  <p16:designElem xmlns:p16="http://schemas.microsoft.com/office/powerpoint/2015/main" val="1"/>
+                </p:ext>
+              </p:extLst>
+            </p:nvPr>
+          </p:nvSpPr>
+          <p:spPr>
+            <a:xfrm>
+              <a:off x="7564255" y="6292426"/>
+              <a:ext cx="1130723" cy="565575"/>
+            </a:xfrm>
+            <a:custGeom>
+              <a:avLst/>
+              <a:gdLst>
+                <a:gd name="connsiteX0" fmla="*/ 565362 w 1130723"/>
+                <a:gd name="connsiteY0" fmla="*/ 0 h 565575"/>
+                <a:gd name="connsiteX1" fmla="*/ 1130723 w 1130723"/>
+                <a:gd name="connsiteY1" fmla="*/ 565362 h 565575"/>
+                <a:gd name="connsiteX2" fmla="*/ 1130702 w 1130723"/>
+                <a:gd name="connsiteY2" fmla="*/ 565575 h 565575"/>
+                <a:gd name="connsiteX3" fmla="*/ 21 w 1130723"/>
+                <a:gd name="connsiteY3" fmla="*/ 565575 h 565575"/>
+                <a:gd name="connsiteX4" fmla="*/ 0 w 1130723"/>
+                <a:gd name="connsiteY4" fmla="*/ 565362 h 565575"/>
+                <a:gd name="connsiteX5" fmla="*/ 565362 w 1130723"/>
+                <a:gd name="connsiteY5" fmla="*/ 0 h 565575"/>
+              </a:gdLst>
+              <a:ahLst/>
+              <a:cxnLst>
+                <a:cxn ang="0">
+                  <a:pos x="connsiteX0" y="connsiteY0"/>
+                </a:cxn>
+                <a:cxn ang="0">
+                  <a:pos x="connsiteX1" y="connsiteY1"/>
+                </a:cxn>
+                <a:cxn ang="0">
+                  <a:pos x="connsiteX2" y="connsiteY2"/>
+                </a:cxn>
+                <a:cxn ang="0">
+                  <a:pos x="connsiteX3" y="connsiteY3"/>
+                </a:cxn>
+                <a:cxn ang="0">
+                  <a:pos x="connsiteX4" y="connsiteY4"/>
+                </a:cxn>
+                <a:cxn ang="0">
+                  <a:pos x="connsiteX5" y="connsiteY5"/>
+                </a:cxn>
+              </a:cxnLst>
+              <a:rect l="l" t="t" r="r" b="b"/>
+              <a:pathLst>
+                <a:path w="1130723" h="565575">
+                  <a:moveTo>
+                    <a:pt x="565362" y="0"/>
+                  </a:moveTo>
+                  <a:cubicBezTo>
+                    <a:pt x="877602" y="0"/>
+                    <a:pt x="1130723" y="253121"/>
+                    <a:pt x="1130723" y="565362"/>
+                  </a:cubicBezTo>
+                  <a:lnTo>
+                    <a:pt x="1130702" y="565575"/>
+                  </a:lnTo>
+                  <a:lnTo>
+                    <a:pt x="21" y="565575"/>
+                  </a:lnTo>
+                  <a:lnTo>
+                    <a:pt x="0" y="565362"/>
+                  </a:lnTo>
+                  <a:cubicBezTo>
+                    <a:pt x="0" y="253121"/>
+                    <a:pt x="253120" y="0"/>
+                    <a:pt x="565362" y="0"/>
+                  </a:cubicBezTo>
+                  <a:close/>
+                </a:path>
+              </a:pathLst>
+            </a:custGeom>
+            <a:solidFill>
+              <a:schemeClr val="bg2"/>
+            </a:solidFill>
+            <a:ln>
+              <a:noFill/>
+            </a:ln>
+          </p:spPr>
+          <p:style>
+            <a:lnRef idx="2">
+              <a:schemeClr val="accent1">
+                <a:shade val="50000"/>
+              </a:schemeClr>
+            </a:lnRef>
+            <a:fillRef idx="1">
+              <a:schemeClr val="accent1"/>
+            </a:fillRef>
+            <a:effectRef idx="0">
+              <a:schemeClr val="accent1"/>
+            </a:effectRef>
+            <a:fontRef idx="minor">
+              <a:schemeClr val="lt1"/>
+            </a:fontRef>
+          </p:style>
+          <p:txBody>
+            <a:bodyPr wrap="square" rtlCol="0" anchor="ctr">
+              <a:noAutofit/>
+            </a:bodyPr>
+            <a:lstStyle/>
+            <a:p>
+              <a:pPr algn="ctr"/>
+              <a:endParaRPr lang="en-US"/>
+            </a:p>
+          </p:txBody>
+        </p:sp>
+        <p:sp>
+          <p:nvSpPr>
+            <p:cNvPr id="1035" name="Oval 1034">
+              <a:extLst>
+                <a:ext uri="{FF2B5EF4-FFF2-40B4-BE49-F238E27FC236}">
+                  <a16:creationId xmlns:a16="http://schemas.microsoft.com/office/drawing/2014/main" id="{F7C55863-3B37-0743-B001-1A970033FBA8}"/>
+                </a:ext>
+                <a:ext uri="{C183D7F6-B498-43B3-948B-1728B52AA6E4}">
+                  <adec:decorative xmlns:adec="http://schemas.microsoft.com/office/drawing/2017/decorative" val="1"/>
+                </a:ext>
+              </a:extLst>
+            </p:cNvPr>
+            <p:cNvSpPr/>
+            <p:nvPr>
+              <p:extLst>
+                <p:ext uri="{386F3935-93C4-4BCD-93E2-E3B085C9AB24}">
+                  <p16:designElem xmlns:p16="http://schemas.microsoft.com/office/powerpoint/2015/main" val="1"/>
+                </p:ext>
+              </p:extLst>
+            </p:nvPr>
+          </p:nvSpPr>
+          <p:spPr>
+            <a:xfrm>
+              <a:off x="7564253" y="3549396"/>
+              <a:ext cx="1130725" cy="1130724"/>
+            </a:xfrm>
+            <a:prstGeom prst="ellipse">
+              <a:avLst/>
+            </a:prstGeom>
+            <a:solidFill>
+              <a:schemeClr val="bg2"/>
+            </a:solidFill>
+            <a:ln>
+              <a:noFill/>
+            </a:ln>
+          </p:spPr>
+          <p:style>
+            <a:lnRef idx="2">
+              <a:schemeClr val="accent1">
+                <a:shade val="50000"/>
+              </a:schemeClr>
+            </a:lnRef>
+            <a:fillRef idx="1">
+              <a:schemeClr val="accent1"/>
+            </a:fillRef>
+            <a:effectRef idx="0">
+              <a:schemeClr val="accent1"/>
+            </a:effectRef>
+            <a:fontRef idx="minor">
+              <a:schemeClr val="lt1"/>
+            </a:fontRef>
+          </p:style>
+          <p:txBody>
+            <a:bodyPr rtlCol="0" anchor="ctr"/>
+            <a:lstStyle/>
+            <a:p>
+              <a:pPr algn="ctr"/>
+              <a:endParaRPr lang="en-US"/>
+            </a:p>
+          </p:txBody>
+        </p:sp>
+        <p:sp>
+          <p:nvSpPr>
+            <p:cNvPr id="1036" name="Oval 1035">
+              <a:extLst>
+                <a:ext uri="{FF2B5EF4-FFF2-40B4-BE49-F238E27FC236}">
+                  <a16:creationId xmlns:a16="http://schemas.microsoft.com/office/drawing/2014/main" id="{932B4C24-3A58-924C-B79A-D961EF7C2C48}"/>
+                </a:ext>
+                <a:ext uri="{C183D7F6-B498-43B3-948B-1728B52AA6E4}">
+                  <adec:decorative xmlns:adec="http://schemas.microsoft.com/office/drawing/2017/decorative" val="1"/>
+                </a:ext>
+              </a:extLst>
+            </p:cNvPr>
+            <p:cNvSpPr/>
+            <p:nvPr>
+              <p:extLst>
+                <p:ext uri="{386F3935-93C4-4BCD-93E2-E3B085C9AB24}">
+                  <p16:designElem xmlns:p16="http://schemas.microsoft.com/office/powerpoint/2015/main" val="1"/>
+                </p:ext>
+              </p:extLst>
+            </p:nvPr>
+          </p:nvSpPr>
+          <p:spPr>
+            <a:xfrm>
+              <a:off x="7564253" y="2177881"/>
+              <a:ext cx="1130725" cy="1130724"/>
+            </a:xfrm>
+            <a:prstGeom prst="ellipse">
+              <a:avLst/>
+            </a:prstGeom>
+            <a:solidFill>
+              <a:schemeClr val="bg2"/>
+            </a:solidFill>
+            <a:ln>
+              <a:noFill/>
+            </a:ln>
+          </p:spPr>
+          <p:style>
+            <a:lnRef idx="2">
+              <a:schemeClr val="accent1">
+                <a:shade val="50000"/>
+              </a:schemeClr>
+            </a:lnRef>
+            <a:fillRef idx="1">
+              <a:schemeClr val="accent1"/>
+            </a:fillRef>
+            <a:effectRef idx="0">
+              <a:schemeClr val="accent1"/>
+            </a:effectRef>
+            <a:fontRef idx="minor">
+              <a:schemeClr val="lt1"/>
+            </a:fontRef>
+          </p:style>
+          <p:txBody>
+            <a:bodyPr rtlCol="0" anchor="ctr"/>
+            <a:lstStyle/>
+            <a:p>
+              <a:pPr algn="ctr"/>
+              <a:endParaRPr lang="en-US"/>
+            </a:p>
+          </p:txBody>
+        </p:sp>
+        <p:sp>
+          <p:nvSpPr>
+            <p:cNvPr id="1037" name="Oval 1036">
+              <a:extLst>
+                <a:ext uri="{FF2B5EF4-FFF2-40B4-BE49-F238E27FC236}">
+                  <a16:creationId xmlns:a16="http://schemas.microsoft.com/office/drawing/2014/main" id="{21EF52E0-D2CF-544F-93A6-4D7B45A0483A}"/>
+                </a:ext>
+                <a:ext uri="{C183D7F6-B498-43B3-948B-1728B52AA6E4}">
+                  <adec:decorative xmlns:adec="http://schemas.microsoft.com/office/drawing/2017/decorative" val="1"/>
+                </a:ext>
+              </a:extLst>
+            </p:cNvPr>
+            <p:cNvSpPr/>
+            <p:nvPr>
+              <p:extLst>
+                <p:ext uri="{386F3935-93C4-4BCD-93E2-E3B085C9AB24}">
+                  <p16:designElem xmlns:p16="http://schemas.microsoft.com/office/powerpoint/2015/main" val="1"/>
+                </p:ext>
+              </p:extLst>
+            </p:nvPr>
+          </p:nvSpPr>
+          <p:spPr>
+            <a:xfrm>
+              <a:off x="7564253" y="806366"/>
+              <a:ext cx="1130725" cy="1130724"/>
+            </a:xfrm>
+            <a:prstGeom prst="ellipse">
+              <a:avLst/>
+            </a:prstGeom>
+            <a:solidFill>
+              <a:schemeClr val="accent1"/>
+            </a:solidFill>
+            <a:ln>
+              <a:noFill/>
+            </a:ln>
+          </p:spPr>
+          <p:style>
+            <a:lnRef idx="2">
+              <a:schemeClr val="accent1">
+                <a:shade val="50000"/>
+              </a:schemeClr>
+            </a:lnRef>
+            <a:fillRef idx="1">
+              <a:schemeClr val="accent1"/>
+            </a:fillRef>
+            <a:effectRef idx="0">
+              <a:schemeClr val="accent1"/>
+            </a:effectRef>
+            <a:fontRef idx="minor">
+              <a:schemeClr val="lt1"/>
+            </a:fontRef>
+          </p:style>
+          <p:txBody>
+            <a:bodyPr rtlCol="0" anchor="ctr"/>
+            <a:lstStyle/>
+            <a:p>
+              <a:pPr algn="ctr"/>
+              <a:endParaRPr lang="en-US"/>
+            </a:p>
+          </p:txBody>
+        </p:sp>
+        <p:sp>
+          <p:nvSpPr>
+            <p:cNvPr id="1038" name="Freeform 63">
+              <a:extLst>
+                <a:ext uri="{FF2B5EF4-FFF2-40B4-BE49-F238E27FC236}">
+                  <a16:creationId xmlns:a16="http://schemas.microsoft.com/office/drawing/2014/main" id="{6966CFE5-1C8C-2E4F-9B2D-A8438F5A5322}"/>
+                </a:ext>
+                <a:ext uri="{C183D7F6-B498-43B3-948B-1728B52AA6E4}">
+                  <adec:decorative xmlns:adec="http://schemas.microsoft.com/office/drawing/2017/decorative" val="1"/>
+                </a:ext>
+              </a:extLst>
+            </p:cNvPr>
+            <p:cNvSpPr/>
+            <p:nvPr>
+              <p:extLst>
+                <p:ext uri="{386F3935-93C4-4BCD-93E2-E3B085C9AB24}">
+                  <p16:designElem xmlns:p16="http://schemas.microsoft.com/office/powerpoint/2015/main" val="1"/>
+                </p:ext>
+              </p:extLst>
+            </p:nvPr>
+          </p:nvSpPr>
+          <p:spPr>
+            <a:xfrm>
+              <a:off x="7564254" y="1"/>
+              <a:ext cx="1130725" cy="565575"/>
+            </a:xfrm>
+            <a:custGeom>
+              <a:avLst/>
+              <a:gdLst>
+                <a:gd name="connsiteX0" fmla="*/ 21 w 1130725"/>
+                <a:gd name="connsiteY0" fmla="*/ 0 h 565575"/>
+                <a:gd name="connsiteX1" fmla="*/ 1130704 w 1130725"/>
+                <a:gd name="connsiteY1" fmla="*/ 0 h 565575"/>
+                <a:gd name="connsiteX2" fmla="*/ 1130725 w 1130725"/>
+                <a:gd name="connsiteY2" fmla="*/ 213 h 565575"/>
+                <a:gd name="connsiteX3" fmla="*/ 565363 w 1130725"/>
+                <a:gd name="connsiteY3" fmla="*/ 565575 h 565575"/>
+                <a:gd name="connsiteX4" fmla="*/ 0 w 1130725"/>
+                <a:gd name="connsiteY4" fmla="*/ 213 h 565575"/>
+              </a:gdLst>
+              <a:ahLst/>
+              <a:cxnLst>
+                <a:cxn ang="0">
+                  <a:pos x="connsiteX0" y="connsiteY0"/>
+                </a:cxn>
+                <a:cxn ang="0">
+                  <a:pos x="connsiteX1" y="connsiteY1"/>
+                </a:cxn>
+                <a:cxn ang="0">
+                  <a:pos x="connsiteX2" y="connsiteY2"/>
+                </a:cxn>
+                <a:cxn ang="0">
+                  <a:pos x="connsiteX3" y="connsiteY3"/>
+                </a:cxn>
+                <a:cxn ang="0">
+                  <a:pos x="connsiteX4" y="connsiteY4"/>
+                </a:cxn>
+              </a:cxnLst>
+              <a:rect l="l" t="t" r="r" b="b"/>
+              <a:pathLst>
+                <a:path w="1130725" h="565575">
+                  <a:moveTo>
+                    <a:pt x="21" y="0"/>
+                  </a:moveTo>
+                  <a:lnTo>
+                    <a:pt x="1130704" y="0"/>
+                  </a:lnTo>
+                  <a:lnTo>
+                    <a:pt x="1130725" y="213"/>
+                  </a:lnTo>
+                  <a:cubicBezTo>
+                    <a:pt x="1130725" y="312454"/>
+                    <a:pt x="877603" y="565575"/>
+                    <a:pt x="565363" y="565575"/>
+                  </a:cubicBezTo>
+                  <a:cubicBezTo>
+                    <a:pt x="253121" y="565575"/>
+                    <a:pt x="0" y="312454"/>
+                    <a:pt x="0" y="213"/>
+                  </a:cubicBezTo>
+                  <a:close/>
+                </a:path>
+              </a:pathLst>
+            </a:custGeom>
+            <a:solidFill>
+              <a:schemeClr val="bg2"/>
+            </a:solidFill>
+            <a:ln>
+              <a:noFill/>
+            </a:ln>
+          </p:spPr>
+          <p:style>
+            <a:lnRef idx="2">
+              <a:schemeClr val="accent1">
+                <a:shade val="50000"/>
+              </a:schemeClr>
+            </a:lnRef>
+            <a:fillRef idx="1">
+              <a:schemeClr val="accent1"/>
+            </a:fillRef>
+            <a:effectRef idx="0">
+              <a:schemeClr val="accent1"/>
+            </a:effectRef>
+            <a:fontRef idx="minor">
+              <a:schemeClr val="lt1"/>
+            </a:fontRef>
+          </p:style>
+          <p:txBody>
+            <a:bodyPr wrap="square" rtlCol="0" anchor="ctr">
+              <a:noAutofit/>
+            </a:bodyPr>
+            <a:lstStyle/>
+            <a:p>
+              <a:pPr algn="ctr"/>
+              <a:endParaRPr lang="en-US"/>
+            </a:p>
+          </p:txBody>
+        </p:sp>
+        <p:sp>
+          <p:nvSpPr>
+            <p:cNvPr id="1039" name="Freeform 64">
+              <a:extLst>
+                <a:ext uri="{FF2B5EF4-FFF2-40B4-BE49-F238E27FC236}">
+                  <a16:creationId xmlns:a16="http://schemas.microsoft.com/office/drawing/2014/main" id="{9FD29EF3-A5B2-554A-A307-6BE1BCE8AF03}"/>
+                </a:ext>
+                <a:ext uri="{C183D7F6-B498-43B3-948B-1728B52AA6E4}">
+                  <adec:decorative xmlns:adec="http://schemas.microsoft.com/office/drawing/2017/decorative" val="1"/>
+                </a:ext>
+              </a:extLst>
+            </p:cNvPr>
+            <p:cNvSpPr/>
+            <p:nvPr>
+              <p:extLst>
+                <p:ext uri="{386F3935-93C4-4BCD-93E2-E3B085C9AB24}">
+                  <p16:designElem xmlns:p16="http://schemas.microsoft.com/office/powerpoint/2015/main" val="1"/>
+                </p:ext>
+              </p:extLst>
+            </p:nvPr>
+          </p:nvSpPr>
+          <p:spPr>
+            <a:xfrm>
+              <a:off x="8927118" y="6292426"/>
+              <a:ext cx="1130724" cy="565575"/>
+            </a:xfrm>
+            <a:custGeom>
+              <a:avLst/>
+              <a:gdLst>
+                <a:gd name="connsiteX0" fmla="*/ 565362 w 1130724"/>
+                <a:gd name="connsiteY0" fmla="*/ 0 h 565575"/>
+                <a:gd name="connsiteX1" fmla="*/ 1130724 w 1130724"/>
+                <a:gd name="connsiteY1" fmla="*/ 565362 h 565575"/>
+                <a:gd name="connsiteX2" fmla="*/ 1130703 w 1130724"/>
+                <a:gd name="connsiteY2" fmla="*/ 565575 h 565575"/>
+                <a:gd name="connsiteX3" fmla="*/ 22 w 1130724"/>
+                <a:gd name="connsiteY3" fmla="*/ 565575 h 565575"/>
+                <a:gd name="connsiteX4" fmla="*/ 0 w 1130724"/>
+                <a:gd name="connsiteY4" fmla="*/ 565362 h 565575"/>
+                <a:gd name="connsiteX5" fmla="*/ 565362 w 1130724"/>
+                <a:gd name="connsiteY5" fmla="*/ 0 h 565575"/>
+              </a:gdLst>
+              <a:ahLst/>
+              <a:cxnLst>
+                <a:cxn ang="0">
+                  <a:pos x="connsiteX0" y="connsiteY0"/>
+                </a:cxn>
+                <a:cxn ang="0">
+                  <a:pos x="connsiteX1" y="connsiteY1"/>
+                </a:cxn>
+                <a:cxn ang="0">
+                  <a:pos x="connsiteX2" y="connsiteY2"/>
+                </a:cxn>
+                <a:cxn ang="0">
+                  <a:pos x="connsiteX3" y="connsiteY3"/>
+                </a:cxn>
+                <a:cxn ang="0">
+                  <a:pos x="connsiteX4" y="connsiteY4"/>
+                </a:cxn>
+                <a:cxn ang="0">
+                  <a:pos x="connsiteX5" y="connsiteY5"/>
+                </a:cxn>
+              </a:cxnLst>
+              <a:rect l="l" t="t" r="r" b="b"/>
+              <a:pathLst>
+                <a:path w="1130724" h="565575">
+                  <a:moveTo>
+                    <a:pt x="565362" y="0"/>
+                  </a:moveTo>
+                  <a:cubicBezTo>
+                    <a:pt x="877603" y="0"/>
+                    <a:pt x="1130724" y="253121"/>
+                    <a:pt x="1130724" y="565362"/>
+                  </a:cubicBezTo>
+                  <a:lnTo>
+                    <a:pt x="1130703" y="565575"/>
+                  </a:lnTo>
+                  <a:lnTo>
+                    <a:pt x="22" y="565575"/>
+                  </a:lnTo>
+                  <a:lnTo>
+                    <a:pt x="0" y="565362"/>
+                  </a:lnTo>
+                  <a:cubicBezTo>
+                    <a:pt x="0" y="253121"/>
+                    <a:pt x="253121" y="0"/>
+                    <a:pt x="565362" y="0"/>
+                  </a:cubicBezTo>
+                  <a:close/>
+                </a:path>
+              </a:pathLst>
+            </a:custGeom>
+            <a:solidFill>
+              <a:schemeClr val="accent1"/>
+            </a:solidFill>
+            <a:ln>
+              <a:noFill/>
+            </a:ln>
+          </p:spPr>
+          <p:style>
+            <a:lnRef idx="2">
+              <a:schemeClr val="accent1">
+                <a:shade val="50000"/>
+              </a:schemeClr>
+            </a:lnRef>
+            <a:fillRef idx="1">
+              <a:schemeClr val="accent1"/>
+            </a:fillRef>
+            <a:effectRef idx="0">
+              <a:schemeClr val="accent1"/>
+            </a:effectRef>
+            <a:fontRef idx="minor">
+              <a:schemeClr val="lt1"/>
+            </a:fontRef>
+          </p:style>
+          <p:txBody>
+            <a:bodyPr wrap="square" rtlCol="0" anchor="ctr">
+              <a:noAutofit/>
+            </a:bodyPr>
+            <a:lstStyle/>
+            <a:p>
+              <a:pPr algn="ctr"/>
+              <a:endParaRPr lang="en-US"/>
+            </a:p>
+          </p:txBody>
+        </p:sp>
+        <p:sp>
+          <p:nvSpPr>
+            <p:cNvPr id="1040" name="Oval 1039">
+              <a:extLst>
+                <a:ext uri="{FF2B5EF4-FFF2-40B4-BE49-F238E27FC236}">
+                  <a16:creationId xmlns:a16="http://schemas.microsoft.com/office/drawing/2014/main" id="{AC1ECAD8-0CF2-934D-AA1E-C108208CDE6F}"/>
+                </a:ext>
+                <a:ext uri="{C183D7F6-B498-43B3-948B-1728B52AA6E4}">
+                  <adec:decorative xmlns:adec="http://schemas.microsoft.com/office/drawing/2017/decorative" val="1"/>
+                </a:ext>
+              </a:extLst>
+            </p:cNvPr>
+            <p:cNvSpPr/>
+            <p:nvPr>
+              <p:extLst>
+                <p:ext uri="{386F3935-93C4-4BCD-93E2-E3B085C9AB24}">
+                  <p16:designElem xmlns:p16="http://schemas.microsoft.com/office/powerpoint/2015/main" val="1"/>
+                </p:ext>
+              </p:extLst>
+            </p:nvPr>
+          </p:nvSpPr>
+          <p:spPr>
+            <a:xfrm>
+              <a:off x="8927118" y="4920911"/>
+              <a:ext cx="1130725" cy="1130724"/>
+            </a:xfrm>
+            <a:prstGeom prst="ellipse">
+              <a:avLst/>
+            </a:prstGeom>
+            <a:solidFill>
+              <a:schemeClr val="bg2"/>
+            </a:solidFill>
+            <a:ln>
+              <a:noFill/>
+            </a:ln>
+          </p:spPr>
+          <p:style>
+            <a:lnRef idx="2">
+              <a:schemeClr val="accent1">
+                <a:shade val="50000"/>
+              </a:schemeClr>
+            </a:lnRef>
+            <a:fillRef idx="1">
+              <a:schemeClr val="accent1"/>
+            </a:fillRef>
+            <a:effectRef idx="0">
+              <a:schemeClr val="accent1"/>
+            </a:effectRef>
+            <a:fontRef idx="minor">
+              <a:schemeClr val="lt1"/>
+            </a:fontRef>
+          </p:style>
+          <p:txBody>
+            <a:bodyPr rtlCol="0" anchor="ctr"/>
+            <a:lstStyle/>
+            <a:p>
+              <a:pPr algn="ctr"/>
+              <a:endParaRPr lang="en-US"/>
+            </a:p>
+          </p:txBody>
+        </p:sp>
+        <p:sp>
+          <p:nvSpPr>
+            <p:cNvPr id="1041" name="Oval 1040">
+              <a:extLst>
+                <a:ext uri="{FF2B5EF4-FFF2-40B4-BE49-F238E27FC236}">
+                  <a16:creationId xmlns:a16="http://schemas.microsoft.com/office/drawing/2014/main" id="{DB14DED1-3A58-8C4D-902E-2A9F34043F61}"/>
+                </a:ext>
+                <a:ext uri="{C183D7F6-B498-43B3-948B-1728B52AA6E4}">
+                  <adec:decorative xmlns:adec="http://schemas.microsoft.com/office/drawing/2017/decorative" val="1"/>
+                </a:ext>
+              </a:extLst>
+            </p:cNvPr>
+            <p:cNvSpPr/>
+            <p:nvPr>
+              <p:extLst>
+                <p:ext uri="{386F3935-93C4-4BCD-93E2-E3B085C9AB24}">
+                  <p16:designElem xmlns:p16="http://schemas.microsoft.com/office/powerpoint/2015/main" val="1"/>
+                </p:ext>
+              </p:extLst>
+            </p:nvPr>
+          </p:nvSpPr>
+          <p:spPr>
+            <a:xfrm>
+              <a:off x="8927118" y="3549396"/>
+              <a:ext cx="1130725" cy="1130724"/>
+            </a:xfrm>
+            <a:prstGeom prst="ellipse">
+              <a:avLst/>
+            </a:prstGeom>
+            <a:solidFill>
+              <a:schemeClr val="accent1"/>
+            </a:solidFill>
+            <a:ln>
+              <a:noFill/>
+            </a:ln>
+          </p:spPr>
+          <p:style>
+            <a:lnRef idx="2">
+              <a:schemeClr val="accent1">
+                <a:shade val="50000"/>
+              </a:schemeClr>
+            </a:lnRef>
+            <a:fillRef idx="1">
+              <a:schemeClr val="accent1"/>
+            </a:fillRef>
+            <a:effectRef idx="0">
+              <a:schemeClr val="accent1"/>
+            </a:effectRef>
+            <a:fontRef idx="minor">
+              <a:schemeClr val="lt1"/>
+            </a:fontRef>
+          </p:style>
+          <p:txBody>
+            <a:bodyPr rtlCol="0" anchor="ctr"/>
+            <a:lstStyle/>
+            <a:p>
+              <a:pPr algn="ctr"/>
+              <a:endParaRPr lang="en-US"/>
+            </a:p>
+          </p:txBody>
+        </p:sp>
+        <p:sp>
+          <p:nvSpPr>
+            <p:cNvPr id="1042" name="Oval 1041">
+              <a:extLst>
+                <a:ext uri="{FF2B5EF4-FFF2-40B4-BE49-F238E27FC236}">
+                  <a16:creationId xmlns:a16="http://schemas.microsoft.com/office/drawing/2014/main" id="{65D65157-5719-0341-A807-A8956595FB4C}"/>
+                </a:ext>
+                <a:ext uri="{C183D7F6-B498-43B3-948B-1728B52AA6E4}">
+                  <adec:decorative xmlns:adec="http://schemas.microsoft.com/office/drawing/2017/decorative" val="1"/>
+                </a:ext>
+              </a:extLst>
+            </p:cNvPr>
+            <p:cNvSpPr/>
+            <p:nvPr>
+              <p:extLst>
+                <p:ext uri="{386F3935-93C4-4BCD-93E2-E3B085C9AB24}">
+                  <p16:designElem xmlns:p16="http://schemas.microsoft.com/office/powerpoint/2015/main" val="1"/>
+                </p:ext>
+              </p:extLst>
+            </p:nvPr>
+          </p:nvSpPr>
+          <p:spPr>
+            <a:xfrm>
+              <a:off x="8927118" y="2177881"/>
+              <a:ext cx="1130725" cy="1130724"/>
+            </a:xfrm>
+            <a:prstGeom prst="ellipse">
+              <a:avLst/>
+            </a:prstGeom>
+            <a:solidFill>
+              <a:schemeClr val="accent1"/>
+            </a:solidFill>
+            <a:ln>
+              <a:noFill/>
+            </a:ln>
+          </p:spPr>
+          <p:style>
+            <a:lnRef idx="2">
+              <a:schemeClr val="accent1">
+                <a:shade val="50000"/>
+              </a:schemeClr>
+            </a:lnRef>
+            <a:fillRef idx="1">
+              <a:schemeClr val="accent1"/>
+            </a:fillRef>
+            <a:effectRef idx="0">
+              <a:schemeClr val="accent1"/>
+            </a:effectRef>
+            <a:fontRef idx="minor">
+              <a:schemeClr val="lt1"/>
+            </a:fontRef>
+          </p:style>
+          <p:txBody>
+            <a:bodyPr rtlCol="0" anchor="ctr"/>
+            <a:lstStyle/>
+            <a:p>
+              <a:pPr algn="ctr"/>
+              <a:endParaRPr lang="en-US"/>
+            </a:p>
+          </p:txBody>
+        </p:sp>
+        <p:sp>
+          <p:nvSpPr>
+            <p:cNvPr id="1043" name="Oval 1042">
+              <a:extLst>
+                <a:ext uri="{FF2B5EF4-FFF2-40B4-BE49-F238E27FC236}">
+                  <a16:creationId xmlns:a16="http://schemas.microsoft.com/office/drawing/2014/main" id="{A7F23F74-B777-2A4C-8EF9-E798880D5942}"/>
+                </a:ext>
+                <a:ext uri="{C183D7F6-B498-43B3-948B-1728B52AA6E4}">
+                  <adec:decorative xmlns:adec="http://schemas.microsoft.com/office/drawing/2017/decorative" val="1"/>
+                </a:ext>
+              </a:extLst>
+            </p:cNvPr>
+            <p:cNvSpPr/>
+            <p:nvPr>
+              <p:extLst>
+                <p:ext uri="{386F3935-93C4-4BCD-93E2-E3B085C9AB24}">
+                  <p16:designElem xmlns:p16="http://schemas.microsoft.com/office/powerpoint/2015/main" val="1"/>
+                </p:ext>
+              </p:extLst>
+            </p:nvPr>
+          </p:nvSpPr>
+          <p:spPr>
+            <a:xfrm>
+              <a:off x="8927118" y="806366"/>
+              <a:ext cx="1130725" cy="1130724"/>
+            </a:xfrm>
+            <a:prstGeom prst="ellipse">
+              <a:avLst/>
+            </a:prstGeom>
+            <a:solidFill>
+              <a:schemeClr val="bg2"/>
+            </a:solidFill>
+            <a:ln>
+              <a:noFill/>
+            </a:ln>
+          </p:spPr>
+          <p:style>
+            <a:lnRef idx="2">
+              <a:schemeClr val="accent1">
+                <a:shade val="50000"/>
+              </a:schemeClr>
+            </a:lnRef>
+            <a:fillRef idx="1">
+              <a:schemeClr val="accent1"/>
+            </a:fillRef>
+            <a:effectRef idx="0">
+              <a:schemeClr val="accent1"/>
+            </a:effectRef>
+            <a:fontRef idx="minor">
+              <a:schemeClr val="lt1"/>
+            </a:fontRef>
+          </p:style>
+          <p:txBody>
+            <a:bodyPr rtlCol="0" anchor="ctr"/>
+            <a:lstStyle/>
+            <a:p>
+              <a:pPr algn="ctr"/>
+              <a:endParaRPr lang="en-US"/>
+            </a:p>
+          </p:txBody>
+        </p:sp>
+        <p:sp>
+          <p:nvSpPr>
+            <p:cNvPr id="1044" name="Freeform 70">
+              <a:extLst>
+                <a:ext uri="{FF2B5EF4-FFF2-40B4-BE49-F238E27FC236}">
+                  <a16:creationId xmlns:a16="http://schemas.microsoft.com/office/drawing/2014/main" id="{E3B9A050-0AE1-1D4B-A2AC-6EEF64B106D9}"/>
+                </a:ext>
+                <a:ext uri="{C183D7F6-B498-43B3-948B-1728B52AA6E4}">
+                  <adec:decorative xmlns:adec="http://schemas.microsoft.com/office/drawing/2017/decorative" val="1"/>
+                </a:ext>
+              </a:extLst>
+            </p:cNvPr>
+            <p:cNvSpPr/>
+            <p:nvPr>
+              <p:extLst>
+                <p:ext uri="{386F3935-93C4-4BCD-93E2-E3B085C9AB24}">
+                  <p16:designElem xmlns:p16="http://schemas.microsoft.com/office/powerpoint/2015/main" val="1"/>
+                </p:ext>
+              </p:extLst>
+            </p:nvPr>
+          </p:nvSpPr>
+          <p:spPr>
+            <a:xfrm>
+              <a:off x="8927117" y="0"/>
+              <a:ext cx="1130726" cy="565576"/>
+            </a:xfrm>
+            <a:custGeom>
+              <a:avLst/>
+              <a:gdLst>
+                <a:gd name="connsiteX0" fmla="*/ 22 w 1130726"/>
+                <a:gd name="connsiteY0" fmla="*/ 0 h 565576"/>
+                <a:gd name="connsiteX1" fmla="*/ 1130704 w 1130726"/>
+                <a:gd name="connsiteY1" fmla="*/ 0 h 565576"/>
+                <a:gd name="connsiteX2" fmla="*/ 1130726 w 1130726"/>
+                <a:gd name="connsiteY2" fmla="*/ 214 h 565576"/>
+                <a:gd name="connsiteX3" fmla="*/ 565363 w 1130726"/>
+                <a:gd name="connsiteY3" fmla="*/ 565576 h 565576"/>
+                <a:gd name="connsiteX4" fmla="*/ 0 w 1130726"/>
+                <a:gd name="connsiteY4" fmla="*/ 214 h 565576"/>
+              </a:gdLst>
+              <a:ahLst/>
+              <a:cxnLst>
+                <a:cxn ang="0">
+                  <a:pos x="connsiteX0" y="connsiteY0"/>
+                </a:cxn>
+                <a:cxn ang="0">
+                  <a:pos x="connsiteX1" y="connsiteY1"/>
+                </a:cxn>
+                <a:cxn ang="0">
+                  <a:pos x="connsiteX2" y="connsiteY2"/>
+                </a:cxn>
+                <a:cxn ang="0">
+                  <a:pos x="connsiteX3" y="connsiteY3"/>
+                </a:cxn>
+                <a:cxn ang="0">
+                  <a:pos x="connsiteX4" y="connsiteY4"/>
+                </a:cxn>
+              </a:cxnLst>
+              <a:rect l="l" t="t" r="r" b="b"/>
+              <a:pathLst>
+                <a:path w="1130726" h="565576">
+                  <a:moveTo>
+                    <a:pt x="22" y="0"/>
+                  </a:moveTo>
+                  <a:lnTo>
+                    <a:pt x="1130704" y="0"/>
+                  </a:lnTo>
+                  <a:lnTo>
+                    <a:pt x="1130726" y="214"/>
+                  </a:lnTo>
+                  <a:cubicBezTo>
+                    <a:pt x="1130726" y="312455"/>
+                    <a:pt x="877604" y="565576"/>
+                    <a:pt x="565363" y="565576"/>
+                  </a:cubicBezTo>
+                  <a:cubicBezTo>
+                    <a:pt x="253122" y="565576"/>
+                    <a:pt x="0" y="312455"/>
+                    <a:pt x="0" y="214"/>
+                  </a:cubicBezTo>
+                  <a:close/>
+                </a:path>
+              </a:pathLst>
+            </a:custGeom>
+            <a:solidFill>
+              <a:schemeClr val="accent1"/>
+            </a:solidFill>
+            <a:ln>
+              <a:noFill/>
+            </a:ln>
+          </p:spPr>
+          <p:style>
+            <a:lnRef idx="2">
+              <a:schemeClr val="accent1">
+                <a:shade val="50000"/>
+              </a:schemeClr>
+            </a:lnRef>
+            <a:fillRef idx="1">
+              <a:schemeClr val="accent1"/>
+            </a:fillRef>
+            <a:effectRef idx="0">
+              <a:schemeClr val="accent1"/>
+            </a:effectRef>
+            <a:fontRef idx="minor">
+              <a:schemeClr val="lt1"/>
+            </a:fontRef>
+          </p:style>
+          <p:txBody>
+            <a:bodyPr wrap="square" rtlCol="0" anchor="ctr">
+              <a:noAutofit/>
+            </a:bodyPr>
+            <a:lstStyle/>
+            <a:p>
+              <a:pPr algn="ctr"/>
+              <a:endParaRPr lang="en-US"/>
+            </a:p>
+          </p:txBody>
+        </p:sp>
+        <p:sp>
+          <p:nvSpPr>
+            <p:cNvPr id="1045" name="Freeform 71">
+              <a:extLst>
+                <a:ext uri="{FF2B5EF4-FFF2-40B4-BE49-F238E27FC236}">
+                  <a16:creationId xmlns:a16="http://schemas.microsoft.com/office/drawing/2014/main" id="{C424FE38-F803-8D47-BF56-1B18EC2B1F03}"/>
+                </a:ext>
+                <a:ext uri="{C183D7F6-B498-43B3-948B-1728B52AA6E4}">
+                  <adec:decorative xmlns:adec="http://schemas.microsoft.com/office/drawing/2017/decorative" val="1"/>
+                </a:ext>
+              </a:extLst>
+            </p:cNvPr>
+            <p:cNvSpPr/>
+            <p:nvPr>
+              <p:extLst>
+                <p:ext uri="{386F3935-93C4-4BCD-93E2-E3B085C9AB24}">
+                  <p16:designElem xmlns:p16="http://schemas.microsoft.com/office/powerpoint/2015/main" val="1"/>
+                </p:ext>
+              </p:extLst>
+            </p:nvPr>
+          </p:nvSpPr>
+          <p:spPr>
+            <a:xfrm>
+              <a:off x="10289984" y="6292426"/>
+              <a:ext cx="1130724" cy="565575"/>
+            </a:xfrm>
+            <a:custGeom>
+              <a:avLst/>
+              <a:gdLst>
+                <a:gd name="connsiteX0" fmla="*/ 565362 w 1130724"/>
+                <a:gd name="connsiteY0" fmla="*/ 0 h 565575"/>
+                <a:gd name="connsiteX1" fmla="*/ 1130724 w 1130724"/>
+                <a:gd name="connsiteY1" fmla="*/ 565362 h 565575"/>
+                <a:gd name="connsiteX2" fmla="*/ 1130703 w 1130724"/>
+                <a:gd name="connsiteY2" fmla="*/ 565575 h 565575"/>
+                <a:gd name="connsiteX3" fmla="*/ 21 w 1130724"/>
+                <a:gd name="connsiteY3" fmla="*/ 565575 h 565575"/>
+                <a:gd name="connsiteX4" fmla="*/ 0 w 1130724"/>
+                <a:gd name="connsiteY4" fmla="*/ 565362 h 565575"/>
+                <a:gd name="connsiteX5" fmla="*/ 565362 w 1130724"/>
+                <a:gd name="connsiteY5" fmla="*/ 0 h 565575"/>
+              </a:gdLst>
+              <a:ahLst/>
+              <a:cxnLst>
+                <a:cxn ang="0">
+                  <a:pos x="connsiteX0" y="connsiteY0"/>
+                </a:cxn>
+                <a:cxn ang="0">
+                  <a:pos x="connsiteX1" y="connsiteY1"/>
+                </a:cxn>
+                <a:cxn ang="0">
+                  <a:pos x="connsiteX2" y="connsiteY2"/>
+                </a:cxn>
+                <a:cxn ang="0">
+                  <a:pos x="connsiteX3" y="connsiteY3"/>
+                </a:cxn>
+                <a:cxn ang="0">
+                  <a:pos x="connsiteX4" y="connsiteY4"/>
+                </a:cxn>
+                <a:cxn ang="0">
+                  <a:pos x="connsiteX5" y="connsiteY5"/>
+                </a:cxn>
+              </a:cxnLst>
+              <a:rect l="l" t="t" r="r" b="b"/>
+              <a:pathLst>
+                <a:path w="1130724" h="565575">
+                  <a:moveTo>
+                    <a:pt x="565362" y="0"/>
+                  </a:moveTo>
+                  <a:cubicBezTo>
+                    <a:pt x="877603" y="0"/>
+                    <a:pt x="1130724" y="253121"/>
+                    <a:pt x="1130724" y="565362"/>
+                  </a:cubicBezTo>
+                  <a:lnTo>
+                    <a:pt x="1130703" y="565575"/>
+                  </a:lnTo>
+                  <a:lnTo>
+                    <a:pt x="21" y="565575"/>
+                  </a:lnTo>
+                  <a:lnTo>
+                    <a:pt x="0" y="565362"/>
+                  </a:lnTo>
+                  <a:cubicBezTo>
+                    <a:pt x="0" y="253121"/>
+                    <a:pt x="253121" y="0"/>
+                    <a:pt x="565362" y="0"/>
+                  </a:cubicBezTo>
+                  <a:close/>
+                </a:path>
+              </a:pathLst>
+            </a:custGeom>
+            <a:solidFill>
+              <a:schemeClr val="bg2"/>
+            </a:solidFill>
+            <a:ln>
+              <a:noFill/>
+            </a:ln>
+          </p:spPr>
+          <p:style>
+            <a:lnRef idx="2">
+              <a:schemeClr val="accent1">
+                <a:shade val="50000"/>
+              </a:schemeClr>
+            </a:lnRef>
+            <a:fillRef idx="1">
+              <a:schemeClr val="accent1"/>
+            </a:fillRef>
+            <a:effectRef idx="0">
+              <a:schemeClr val="accent1"/>
+            </a:effectRef>
+            <a:fontRef idx="minor">
+              <a:schemeClr val="lt1"/>
+            </a:fontRef>
+          </p:style>
+          <p:txBody>
+            <a:bodyPr wrap="square" rtlCol="0" anchor="ctr">
+              <a:noAutofit/>
+            </a:bodyPr>
+            <a:lstStyle/>
+            <a:p>
+              <a:pPr algn="ctr"/>
+              <a:endParaRPr lang="en-US"/>
+            </a:p>
+          </p:txBody>
+        </p:sp>
+        <p:sp>
+          <p:nvSpPr>
+            <p:cNvPr id="1046" name="Oval 1045">
+              <a:extLst>
+                <a:ext uri="{FF2B5EF4-FFF2-40B4-BE49-F238E27FC236}">
+                  <a16:creationId xmlns:a16="http://schemas.microsoft.com/office/drawing/2014/main" id="{E37187F2-9212-0641-97D0-1ACD50B748A8}"/>
+                </a:ext>
+                <a:ext uri="{C183D7F6-B498-43B3-948B-1728B52AA6E4}">
+                  <adec:decorative xmlns:adec="http://schemas.microsoft.com/office/drawing/2017/decorative" val="1"/>
+                </a:ext>
+              </a:extLst>
+            </p:cNvPr>
+            <p:cNvSpPr/>
+            <p:nvPr>
+              <p:extLst>
+                <p:ext uri="{386F3935-93C4-4BCD-93E2-E3B085C9AB24}">
+                  <p16:designElem xmlns:p16="http://schemas.microsoft.com/office/powerpoint/2015/main" val="1"/>
+                </p:ext>
+              </p:extLst>
+            </p:nvPr>
+          </p:nvSpPr>
+          <p:spPr>
+            <a:xfrm>
+              <a:off x="10289984" y="4920911"/>
+              <a:ext cx="1130725" cy="1130724"/>
+            </a:xfrm>
+            <a:prstGeom prst="ellipse">
+              <a:avLst/>
+            </a:prstGeom>
+            <a:solidFill>
+              <a:schemeClr val="accent1"/>
+            </a:solidFill>
+            <a:ln>
+              <a:noFill/>
+            </a:ln>
+          </p:spPr>
+          <p:style>
+            <a:lnRef idx="2">
+              <a:schemeClr val="accent1">
+                <a:shade val="50000"/>
+              </a:schemeClr>
+            </a:lnRef>
+            <a:fillRef idx="1">
+              <a:schemeClr val="accent1"/>
+            </a:fillRef>
+            <a:effectRef idx="0">
+              <a:schemeClr val="accent1"/>
+            </a:effectRef>
+            <a:fontRef idx="minor">
+              <a:schemeClr val="lt1"/>
+            </a:fontRef>
+          </p:style>
+          <p:txBody>
+            <a:bodyPr rtlCol="0" anchor="ctr"/>
+            <a:lstStyle/>
+            <a:p>
+              <a:pPr algn="ctr"/>
+              <a:endParaRPr lang="en-US"/>
+            </a:p>
+          </p:txBody>
+        </p:sp>
+        <p:sp>
+          <p:nvSpPr>
+            <p:cNvPr id="1047" name="Oval 1046">
+              <a:extLst>
+                <a:ext uri="{FF2B5EF4-FFF2-40B4-BE49-F238E27FC236}">
+                  <a16:creationId xmlns:a16="http://schemas.microsoft.com/office/drawing/2014/main" id="{C760C651-2AC4-564E-BEAA-AB7FAFE7F79F}"/>
+                </a:ext>
+                <a:ext uri="{C183D7F6-B498-43B3-948B-1728B52AA6E4}">
+                  <adec:decorative xmlns:adec="http://schemas.microsoft.com/office/drawing/2017/decorative" val="1"/>
+                </a:ext>
+              </a:extLst>
+            </p:cNvPr>
+            <p:cNvSpPr/>
+            <p:nvPr>
+              <p:extLst>
+                <p:ext uri="{386F3935-93C4-4BCD-93E2-E3B085C9AB24}">
+                  <p16:designElem xmlns:p16="http://schemas.microsoft.com/office/powerpoint/2015/main" val="1"/>
+                </p:ext>
+              </p:extLst>
+            </p:nvPr>
+          </p:nvSpPr>
+          <p:spPr>
+            <a:xfrm>
+              <a:off x="10289984" y="3549396"/>
+              <a:ext cx="1130725" cy="1130724"/>
+            </a:xfrm>
+            <a:prstGeom prst="ellipse">
+              <a:avLst/>
+            </a:prstGeom>
+            <a:solidFill>
+              <a:schemeClr val="bg2"/>
+            </a:solidFill>
+            <a:ln>
+              <a:noFill/>
+            </a:ln>
+          </p:spPr>
+          <p:style>
+            <a:lnRef idx="2">
+              <a:schemeClr val="accent1">
+                <a:shade val="50000"/>
+              </a:schemeClr>
+            </a:lnRef>
+            <a:fillRef idx="1">
+              <a:schemeClr val="accent1"/>
+            </a:fillRef>
+            <a:effectRef idx="0">
+              <a:schemeClr val="accent1"/>
+            </a:effectRef>
+            <a:fontRef idx="minor">
+              <a:schemeClr val="lt1"/>
+            </a:fontRef>
+          </p:style>
+          <p:txBody>
+            <a:bodyPr rtlCol="0" anchor="ctr"/>
+            <a:lstStyle/>
+            <a:p>
+              <a:pPr algn="ctr"/>
+              <a:endParaRPr lang="en-US"/>
+            </a:p>
+          </p:txBody>
+        </p:sp>
+        <p:sp>
+          <p:nvSpPr>
+            <p:cNvPr id="1048" name="Oval 1047">
+              <a:extLst>
+                <a:ext uri="{FF2B5EF4-FFF2-40B4-BE49-F238E27FC236}">
+                  <a16:creationId xmlns:a16="http://schemas.microsoft.com/office/drawing/2014/main" id="{58B0A1B8-5BA3-3548-9511-B4904D05264B}"/>
+                </a:ext>
+                <a:ext uri="{C183D7F6-B498-43B3-948B-1728B52AA6E4}">
+                  <adec:decorative xmlns:adec="http://schemas.microsoft.com/office/drawing/2017/decorative" val="1"/>
+                </a:ext>
+              </a:extLst>
+            </p:cNvPr>
+            <p:cNvSpPr/>
+            <p:nvPr>
+              <p:extLst>
+                <p:ext uri="{386F3935-93C4-4BCD-93E2-E3B085C9AB24}">
+                  <p16:designElem xmlns:p16="http://schemas.microsoft.com/office/powerpoint/2015/main" val="1"/>
+                </p:ext>
+              </p:extLst>
+            </p:nvPr>
+          </p:nvSpPr>
+          <p:spPr>
+            <a:xfrm>
+              <a:off x="10289984" y="806366"/>
+              <a:ext cx="1130725" cy="1130724"/>
+            </a:xfrm>
+            <a:prstGeom prst="ellipse">
+              <a:avLst/>
+            </a:prstGeom>
+            <a:solidFill>
+              <a:schemeClr val="bg2"/>
+            </a:solidFill>
+            <a:ln>
+              <a:noFill/>
+            </a:ln>
+          </p:spPr>
+          <p:style>
+            <a:lnRef idx="2">
+              <a:schemeClr val="accent1">
+                <a:shade val="50000"/>
+              </a:schemeClr>
+            </a:lnRef>
+            <a:fillRef idx="1">
+              <a:schemeClr val="accent1"/>
+            </a:fillRef>
+            <a:effectRef idx="0">
+              <a:schemeClr val="accent1"/>
+            </a:effectRef>
+            <a:fontRef idx="minor">
+              <a:schemeClr val="lt1"/>
+            </a:fontRef>
+          </p:style>
+          <p:txBody>
+            <a:bodyPr rtlCol="0" anchor="ctr"/>
+            <a:lstStyle/>
+            <a:p>
+              <a:pPr algn="ctr"/>
+              <a:endParaRPr lang="en-US"/>
+            </a:p>
+          </p:txBody>
+        </p:sp>
+        <p:sp>
+          <p:nvSpPr>
+            <p:cNvPr id="1049" name="Freeform 75">
+              <a:extLst>
+                <a:ext uri="{FF2B5EF4-FFF2-40B4-BE49-F238E27FC236}">
+                  <a16:creationId xmlns:a16="http://schemas.microsoft.com/office/drawing/2014/main" id="{424CD779-EE9A-214D-9488-767327E373AA}"/>
+                </a:ext>
+                <a:ext uri="{C183D7F6-B498-43B3-948B-1728B52AA6E4}">
+                  <adec:decorative xmlns:adec="http://schemas.microsoft.com/office/drawing/2017/decorative" val="1"/>
+                </a:ext>
+              </a:extLst>
+            </p:cNvPr>
+            <p:cNvSpPr/>
+            <p:nvPr>
+              <p:extLst>
+                <p:ext uri="{386F3935-93C4-4BCD-93E2-E3B085C9AB24}">
+                  <p16:designElem xmlns:p16="http://schemas.microsoft.com/office/powerpoint/2015/main" val="1"/>
+                </p:ext>
+              </p:extLst>
+            </p:nvPr>
+          </p:nvSpPr>
+          <p:spPr>
+            <a:xfrm>
+              <a:off x="10289983" y="0"/>
+              <a:ext cx="1130726" cy="565576"/>
+            </a:xfrm>
+            <a:custGeom>
+              <a:avLst/>
+              <a:gdLst>
+                <a:gd name="connsiteX0" fmla="*/ 21 w 1130726"/>
+                <a:gd name="connsiteY0" fmla="*/ 0 h 565576"/>
+                <a:gd name="connsiteX1" fmla="*/ 1130704 w 1130726"/>
+                <a:gd name="connsiteY1" fmla="*/ 0 h 565576"/>
+                <a:gd name="connsiteX2" fmla="*/ 1130726 w 1130726"/>
+                <a:gd name="connsiteY2" fmla="*/ 214 h 565576"/>
+                <a:gd name="connsiteX3" fmla="*/ 565363 w 1130726"/>
+                <a:gd name="connsiteY3" fmla="*/ 565576 h 565576"/>
+                <a:gd name="connsiteX4" fmla="*/ 0 w 1130726"/>
+                <a:gd name="connsiteY4" fmla="*/ 214 h 565576"/>
+              </a:gdLst>
+              <a:ahLst/>
+              <a:cxnLst>
+                <a:cxn ang="0">
+                  <a:pos x="connsiteX0" y="connsiteY0"/>
+                </a:cxn>
+                <a:cxn ang="0">
+                  <a:pos x="connsiteX1" y="connsiteY1"/>
+                </a:cxn>
+                <a:cxn ang="0">
+                  <a:pos x="connsiteX2" y="connsiteY2"/>
+                </a:cxn>
+                <a:cxn ang="0">
+                  <a:pos x="connsiteX3" y="connsiteY3"/>
+                </a:cxn>
+                <a:cxn ang="0">
+                  <a:pos x="connsiteX4" y="connsiteY4"/>
+                </a:cxn>
+              </a:cxnLst>
+              <a:rect l="l" t="t" r="r" b="b"/>
+              <a:pathLst>
+                <a:path w="1130726" h="565576">
+                  <a:moveTo>
+                    <a:pt x="21" y="0"/>
+                  </a:moveTo>
+                  <a:lnTo>
+                    <a:pt x="1130704" y="0"/>
+                  </a:lnTo>
+                  <a:lnTo>
+                    <a:pt x="1130726" y="214"/>
+                  </a:lnTo>
+                  <a:cubicBezTo>
+                    <a:pt x="1130726" y="312455"/>
+                    <a:pt x="877604" y="565576"/>
+                    <a:pt x="565363" y="565576"/>
+                  </a:cubicBezTo>
+                  <a:cubicBezTo>
+                    <a:pt x="253122" y="565576"/>
+                    <a:pt x="0" y="312455"/>
+                    <a:pt x="0" y="214"/>
+                  </a:cubicBezTo>
+                  <a:close/>
+                </a:path>
+              </a:pathLst>
+            </a:custGeom>
+            <a:solidFill>
+              <a:schemeClr val="bg2"/>
+            </a:solidFill>
+            <a:ln>
+              <a:noFill/>
+            </a:ln>
+          </p:spPr>
+          <p:style>
+            <a:lnRef idx="2">
+              <a:schemeClr val="accent1">
+                <a:shade val="50000"/>
+              </a:schemeClr>
+            </a:lnRef>
+            <a:fillRef idx="1">
+              <a:schemeClr val="accent1"/>
+            </a:fillRef>
+            <a:effectRef idx="0">
+              <a:schemeClr val="accent1"/>
+            </a:effectRef>
+            <a:fontRef idx="minor">
+              <a:schemeClr val="lt1"/>
+            </a:fontRef>
+          </p:style>
+          <p:txBody>
+            <a:bodyPr wrap="square" rtlCol="0" anchor="ctr">
+              <a:noAutofit/>
+            </a:bodyPr>
+            <a:lstStyle/>
+            <a:p>
+              <a:pPr algn="ctr"/>
+              <a:endParaRPr lang="en-US"/>
+            </a:p>
+          </p:txBody>
+        </p:sp>
+        <p:sp>
+          <p:nvSpPr>
+            <p:cNvPr id="1050" name="Freeform 76">
+              <a:extLst>
+                <a:ext uri="{FF2B5EF4-FFF2-40B4-BE49-F238E27FC236}">
+                  <a16:creationId xmlns:a16="http://schemas.microsoft.com/office/drawing/2014/main" id="{630D08C6-9EFB-8540-875F-2A55DED2AAE3}"/>
+                </a:ext>
+                <a:ext uri="{C183D7F6-B498-43B3-948B-1728B52AA6E4}">
+                  <adec:decorative xmlns:adec="http://schemas.microsoft.com/office/drawing/2017/decorative" val="1"/>
+                </a:ext>
+              </a:extLst>
+            </p:cNvPr>
+            <p:cNvSpPr/>
+            <p:nvPr>
+              <p:extLst>
+                <p:ext uri="{386F3935-93C4-4BCD-93E2-E3B085C9AB24}">
+                  <p16:designElem xmlns:p16="http://schemas.microsoft.com/office/powerpoint/2015/main" val="1"/>
+                </p:ext>
+              </p:extLst>
+            </p:nvPr>
+          </p:nvSpPr>
+          <p:spPr>
+            <a:xfrm>
+              <a:off x="11652854" y="6295069"/>
+              <a:ext cx="539146" cy="562931"/>
+            </a:xfrm>
+            <a:custGeom>
+              <a:avLst/>
+              <a:gdLst>
+                <a:gd name="connsiteX0" fmla="*/ 539146 w 539146"/>
+                <a:gd name="connsiteY0" fmla="*/ 0 h 562931"/>
+                <a:gd name="connsiteX1" fmla="*/ 539146 w 539146"/>
+                <a:gd name="connsiteY1" fmla="*/ 562931 h 562931"/>
+                <a:gd name="connsiteX2" fmla="*/ 21 w 539146"/>
+                <a:gd name="connsiteY2" fmla="*/ 562931 h 562931"/>
+                <a:gd name="connsiteX3" fmla="*/ 0 w 539146"/>
+                <a:gd name="connsiteY3" fmla="*/ 562719 h 562931"/>
+                <a:gd name="connsiteX4" fmla="*/ 451422 w 539146"/>
+                <a:gd name="connsiteY4" fmla="*/ 8843 h 562931"/>
+              </a:gdLst>
+              <a:ahLst/>
+              <a:cxnLst>
+                <a:cxn ang="0">
+                  <a:pos x="connsiteX0" y="connsiteY0"/>
+                </a:cxn>
+                <a:cxn ang="0">
+                  <a:pos x="connsiteX1" y="connsiteY1"/>
+                </a:cxn>
+                <a:cxn ang="0">
+                  <a:pos x="connsiteX2" y="connsiteY2"/>
+                </a:cxn>
+                <a:cxn ang="0">
+                  <a:pos x="connsiteX3" y="connsiteY3"/>
+                </a:cxn>
+                <a:cxn ang="0">
+                  <a:pos x="connsiteX4" y="connsiteY4"/>
+                </a:cxn>
+              </a:cxnLst>
+              <a:rect l="l" t="t" r="r" b="b"/>
+              <a:pathLst>
+                <a:path w="539146" h="562931">
+                  <a:moveTo>
+                    <a:pt x="539146" y="0"/>
+                  </a:moveTo>
+                  <a:lnTo>
+                    <a:pt x="539146" y="562931"/>
+                  </a:lnTo>
+                  <a:lnTo>
+                    <a:pt x="21" y="562931"/>
+                  </a:lnTo>
+                  <a:lnTo>
+                    <a:pt x="0" y="562719"/>
+                  </a:lnTo>
+                  <a:cubicBezTo>
+                    <a:pt x="0" y="289508"/>
+                    <a:pt x="193796" y="61561"/>
+                    <a:pt x="451422" y="8843"/>
+                  </a:cubicBezTo>
+                  <a:close/>
+                </a:path>
+              </a:pathLst>
+            </a:custGeom>
+            <a:solidFill>
+              <a:schemeClr val="bg2"/>
+            </a:solidFill>
+            <a:ln>
+              <a:noFill/>
+            </a:ln>
+          </p:spPr>
+          <p:style>
+            <a:lnRef idx="2">
+              <a:schemeClr val="accent1">
+                <a:shade val="50000"/>
+              </a:schemeClr>
+            </a:lnRef>
+            <a:fillRef idx="1">
+              <a:schemeClr val="accent1"/>
+            </a:fillRef>
+            <a:effectRef idx="0">
+              <a:schemeClr val="accent1"/>
+            </a:effectRef>
+            <a:fontRef idx="minor">
+              <a:schemeClr val="lt1"/>
+            </a:fontRef>
+          </p:style>
+          <p:txBody>
+            <a:bodyPr wrap="square" rtlCol="0" anchor="ctr">
+              <a:noAutofit/>
+            </a:bodyPr>
+            <a:lstStyle/>
+            <a:p>
+              <a:pPr algn="ctr"/>
+              <a:endParaRPr lang="en-US"/>
+            </a:p>
+          </p:txBody>
+        </p:sp>
+        <p:sp>
+          <p:nvSpPr>
+            <p:cNvPr id="1051" name="Freeform 77">
+              <a:extLst>
+                <a:ext uri="{FF2B5EF4-FFF2-40B4-BE49-F238E27FC236}">
+                  <a16:creationId xmlns:a16="http://schemas.microsoft.com/office/drawing/2014/main" id="{D7E8DA86-1294-4641-9C52-6E153150641C}"/>
+                </a:ext>
+                <a:ext uri="{C183D7F6-B498-43B3-948B-1728B52AA6E4}">
+                  <adec:decorative xmlns:adec="http://schemas.microsoft.com/office/drawing/2017/decorative" val="1"/>
+                </a:ext>
+              </a:extLst>
+            </p:cNvPr>
+            <p:cNvSpPr/>
+            <p:nvPr>
+              <p:extLst>
+                <p:ext uri="{386F3935-93C4-4BCD-93E2-E3B085C9AB24}">
+                  <p16:designElem xmlns:p16="http://schemas.microsoft.com/office/powerpoint/2015/main" val="1"/>
+                </p:ext>
+              </p:extLst>
+            </p:nvPr>
+          </p:nvSpPr>
+          <p:spPr>
+            <a:xfrm>
+              <a:off x="11652853" y="4923555"/>
+              <a:ext cx="539147" cy="1125439"/>
+            </a:xfrm>
+            <a:custGeom>
+              <a:avLst/>
+              <a:gdLst>
+                <a:gd name="connsiteX0" fmla="*/ 539147 w 539147"/>
+                <a:gd name="connsiteY0" fmla="*/ 0 h 1125439"/>
+                <a:gd name="connsiteX1" fmla="*/ 539147 w 539147"/>
+                <a:gd name="connsiteY1" fmla="*/ 1125439 h 1125439"/>
+                <a:gd name="connsiteX2" fmla="*/ 451423 w 539147"/>
+                <a:gd name="connsiteY2" fmla="*/ 1116595 h 1125439"/>
+                <a:gd name="connsiteX3" fmla="*/ 0 w 539147"/>
+                <a:gd name="connsiteY3" fmla="*/ 562719 h 1125439"/>
+                <a:gd name="connsiteX4" fmla="*/ 451423 w 539147"/>
+                <a:gd name="connsiteY4" fmla="*/ 8843 h 1125439"/>
+              </a:gdLst>
+              <a:ahLst/>
+              <a:cxnLst>
+                <a:cxn ang="0">
+                  <a:pos x="connsiteX0" y="connsiteY0"/>
+                </a:cxn>
+                <a:cxn ang="0">
+                  <a:pos x="connsiteX1" y="connsiteY1"/>
+                </a:cxn>
+                <a:cxn ang="0">
+                  <a:pos x="connsiteX2" y="connsiteY2"/>
+                </a:cxn>
+                <a:cxn ang="0">
+                  <a:pos x="connsiteX3" y="connsiteY3"/>
+                </a:cxn>
+                <a:cxn ang="0">
+                  <a:pos x="connsiteX4" y="connsiteY4"/>
+                </a:cxn>
+              </a:cxnLst>
+              <a:rect l="l" t="t" r="r" b="b"/>
+              <a:pathLst>
+                <a:path w="539147" h="1125439">
+                  <a:moveTo>
+                    <a:pt x="539147" y="0"/>
+                  </a:moveTo>
+                  <a:lnTo>
+                    <a:pt x="539147" y="1125439"/>
+                  </a:lnTo>
+                  <a:lnTo>
+                    <a:pt x="451423" y="1116595"/>
+                  </a:lnTo>
+                  <a:cubicBezTo>
+                    <a:pt x="193797" y="1063877"/>
+                    <a:pt x="0" y="835930"/>
+                    <a:pt x="0" y="562719"/>
+                  </a:cubicBezTo>
+                  <a:cubicBezTo>
+                    <a:pt x="0" y="289508"/>
+                    <a:pt x="193797" y="61561"/>
+                    <a:pt x="451423" y="8843"/>
+                  </a:cubicBezTo>
+                  <a:close/>
+                </a:path>
+              </a:pathLst>
+            </a:custGeom>
+            <a:solidFill>
+              <a:schemeClr val="accent1"/>
+            </a:solidFill>
+            <a:ln>
+              <a:noFill/>
+            </a:ln>
+          </p:spPr>
+          <p:style>
+            <a:lnRef idx="2">
+              <a:schemeClr val="accent1">
+                <a:shade val="50000"/>
+              </a:schemeClr>
+            </a:lnRef>
+            <a:fillRef idx="1">
+              <a:schemeClr val="accent1"/>
+            </a:fillRef>
+            <a:effectRef idx="0">
+              <a:schemeClr val="accent1"/>
+            </a:effectRef>
+            <a:fontRef idx="minor">
+              <a:schemeClr val="lt1"/>
+            </a:fontRef>
+          </p:style>
+          <p:txBody>
+            <a:bodyPr wrap="square" rtlCol="0" anchor="ctr">
+              <a:noAutofit/>
+            </a:bodyPr>
+            <a:lstStyle/>
+            <a:p>
+              <a:pPr algn="ctr"/>
+              <a:endParaRPr lang="en-US"/>
+            </a:p>
+          </p:txBody>
+        </p:sp>
+        <p:sp>
+          <p:nvSpPr>
+            <p:cNvPr id="1052" name="Freeform 78">
+              <a:extLst>
+                <a:ext uri="{FF2B5EF4-FFF2-40B4-BE49-F238E27FC236}">
+                  <a16:creationId xmlns:a16="http://schemas.microsoft.com/office/drawing/2014/main" id="{011063C9-2A43-3348-A018-F27FACAA778D}"/>
+                </a:ext>
+                <a:ext uri="{C183D7F6-B498-43B3-948B-1728B52AA6E4}">
+                  <adec:decorative xmlns:adec="http://schemas.microsoft.com/office/drawing/2017/decorative" val="1"/>
+                </a:ext>
+              </a:extLst>
+            </p:cNvPr>
+            <p:cNvSpPr/>
+            <p:nvPr>
+              <p:extLst>
+                <p:ext uri="{386F3935-93C4-4BCD-93E2-E3B085C9AB24}">
+                  <p16:designElem xmlns:p16="http://schemas.microsoft.com/office/powerpoint/2015/main" val="1"/>
+                </p:ext>
+              </p:extLst>
+            </p:nvPr>
+          </p:nvSpPr>
+          <p:spPr>
+            <a:xfrm>
+              <a:off x="11652853" y="3552039"/>
+              <a:ext cx="539147" cy="1125438"/>
+            </a:xfrm>
+            <a:custGeom>
+              <a:avLst/>
+              <a:gdLst>
+                <a:gd name="connsiteX0" fmla="*/ 539147 w 539147"/>
+                <a:gd name="connsiteY0" fmla="*/ 0 h 1125438"/>
+                <a:gd name="connsiteX1" fmla="*/ 539147 w 539147"/>
+                <a:gd name="connsiteY1" fmla="*/ 1125438 h 1125438"/>
+                <a:gd name="connsiteX2" fmla="*/ 451423 w 539147"/>
+                <a:gd name="connsiteY2" fmla="*/ 1116595 h 1125438"/>
+                <a:gd name="connsiteX3" fmla="*/ 0 w 539147"/>
+                <a:gd name="connsiteY3" fmla="*/ 562719 h 1125438"/>
+                <a:gd name="connsiteX4" fmla="*/ 451423 w 539147"/>
+                <a:gd name="connsiteY4" fmla="*/ 8843 h 1125438"/>
+              </a:gdLst>
+              <a:ahLst/>
+              <a:cxnLst>
+                <a:cxn ang="0">
+                  <a:pos x="connsiteX0" y="connsiteY0"/>
+                </a:cxn>
+                <a:cxn ang="0">
+                  <a:pos x="connsiteX1" y="connsiteY1"/>
+                </a:cxn>
+                <a:cxn ang="0">
+                  <a:pos x="connsiteX2" y="connsiteY2"/>
+                </a:cxn>
+                <a:cxn ang="0">
+                  <a:pos x="connsiteX3" y="connsiteY3"/>
+                </a:cxn>
+                <a:cxn ang="0">
+                  <a:pos x="connsiteX4" y="connsiteY4"/>
+                </a:cxn>
+              </a:cxnLst>
+              <a:rect l="l" t="t" r="r" b="b"/>
+              <a:pathLst>
+                <a:path w="539147" h="1125438">
+                  <a:moveTo>
+                    <a:pt x="539147" y="0"/>
+                  </a:moveTo>
+                  <a:lnTo>
+                    <a:pt x="539147" y="1125438"/>
+                  </a:lnTo>
+                  <a:lnTo>
+                    <a:pt x="451423" y="1116595"/>
+                  </a:lnTo>
+                  <a:cubicBezTo>
+                    <a:pt x="193797" y="1063877"/>
+                    <a:pt x="0" y="835930"/>
+                    <a:pt x="0" y="562719"/>
+                  </a:cubicBezTo>
+                  <a:cubicBezTo>
+                    <a:pt x="0" y="289508"/>
+                    <a:pt x="193797" y="61561"/>
+                    <a:pt x="451423" y="8843"/>
+                  </a:cubicBezTo>
+                  <a:close/>
+                </a:path>
+              </a:pathLst>
+            </a:custGeom>
+            <a:solidFill>
+              <a:schemeClr val="bg2"/>
+            </a:solidFill>
+            <a:ln>
+              <a:noFill/>
+            </a:ln>
+          </p:spPr>
+          <p:style>
+            <a:lnRef idx="2">
+              <a:schemeClr val="accent1">
+                <a:shade val="50000"/>
+              </a:schemeClr>
+            </a:lnRef>
+            <a:fillRef idx="1">
+              <a:schemeClr val="accent1"/>
+            </a:fillRef>
+            <a:effectRef idx="0">
+              <a:schemeClr val="accent1"/>
+            </a:effectRef>
+            <a:fontRef idx="minor">
+              <a:schemeClr val="lt1"/>
+            </a:fontRef>
+          </p:style>
+          <p:txBody>
+            <a:bodyPr wrap="square" rtlCol="0" anchor="ctr">
+              <a:noAutofit/>
+            </a:bodyPr>
+            <a:lstStyle/>
+            <a:p>
+              <a:pPr algn="ctr"/>
+              <a:endParaRPr lang="en-US"/>
+            </a:p>
+          </p:txBody>
+        </p:sp>
+        <p:sp>
+          <p:nvSpPr>
+            <p:cNvPr id="1053" name="Freeform 79">
+              <a:extLst>
+                <a:ext uri="{FF2B5EF4-FFF2-40B4-BE49-F238E27FC236}">
+                  <a16:creationId xmlns:a16="http://schemas.microsoft.com/office/drawing/2014/main" id="{EE85C7DE-D965-244F-BD95-3A05FF4AAC61}"/>
+                </a:ext>
+                <a:ext uri="{C183D7F6-B498-43B3-948B-1728B52AA6E4}">
+                  <adec:decorative xmlns:adec="http://schemas.microsoft.com/office/drawing/2017/decorative" val="1"/>
+                </a:ext>
+              </a:extLst>
+            </p:cNvPr>
+            <p:cNvSpPr/>
+            <p:nvPr>
+              <p:extLst>
+                <p:ext uri="{386F3935-93C4-4BCD-93E2-E3B085C9AB24}">
+                  <p16:designElem xmlns:p16="http://schemas.microsoft.com/office/powerpoint/2015/main" val="1"/>
+                </p:ext>
+              </p:extLst>
+            </p:nvPr>
+          </p:nvSpPr>
+          <p:spPr>
+            <a:xfrm>
+              <a:off x="11652853" y="2180524"/>
+              <a:ext cx="539147" cy="1125438"/>
+            </a:xfrm>
+            <a:custGeom>
+              <a:avLst/>
+              <a:gdLst>
+                <a:gd name="connsiteX0" fmla="*/ 539147 w 539147"/>
+                <a:gd name="connsiteY0" fmla="*/ 0 h 1125438"/>
+                <a:gd name="connsiteX1" fmla="*/ 539147 w 539147"/>
+                <a:gd name="connsiteY1" fmla="*/ 1125438 h 1125438"/>
+                <a:gd name="connsiteX2" fmla="*/ 451423 w 539147"/>
+                <a:gd name="connsiteY2" fmla="*/ 1116595 h 1125438"/>
+                <a:gd name="connsiteX3" fmla="*/ 0 w 539147"/>
+                <a:gd name="connsiteY3" fmla="*/ 562719 h 1125438"/>
+                <a:gd name="connsiteX4" fmla="*/ 451423 w 539147"/>
+                <a:gd name="connsiteY4" fmla="*/ 8843 h 1125438"/>
+              </a:gdLst>
+              <a:ahLst/>
+              <a:cxnLst>
+                <a:cxn ang="0">
+                  <a:pos x="connsiteX0" y="connsiteY0"/>
+                </a:cxn>
+                <a:cxn ang="0">
+                  <a:pos x="connsiteX1" y="connsiteY1"/>
+                </a:cxn>
+                <a:cxn ang="0">
+                  <a:pos x="connsiteX2" y="connsiteY2"/>
+                </a:cxn>
+                <a:cxn ang="0">
+                  <a:pos x="connsiteX3" y="connsiteY3"/>
+                </a:cxn>
+                <a:cxn ang="0">
+                  <a:pos x="connsiteX4" y="connsiteY4"/>
+                </a:cxn>
+              </a:cxnLst>
+              <a:rect l="l" t="t" r="r" b="b"/>
+              <a:pathLst>
+                <a:path w="539147" h="1125438">
+                  <a:moveTo>
+                    <a:pt x="539147" y="0"/>
+                  </a:moveTo>
+                  <a:lnTo>
+                    <a:pt x="539147" y="1125438"/>
+                  </a:lnTo>
+                  <a:lnTo>
+                    <a:pt x="451423" y="1116595"/>
+                  </a:lnTo>
+                  <a:cubicBezTo>
+                    <a:pt x="193797" y="1063877"/>
+                    <a:pt x="0" y="835930"/>
+                    <a:pt x="0" y="562719"/>
+                  </a:cubicBezTo>
+                  <a:cubicBezTo>
+                    <a:pt x="0" y="289509"/>
+                    <a:pt x="193797" y="61561"/>
+                    <a:pt x="451423" y="8843"/>
+                  </a:cubicBezTo>
+                  <a:close/>
+                </a:path>
+              </a:pathLst>
+            </a:custGeom>
+            <a:solidFill>
+              <a:schemeClr val="bg2"/>
+            </a:solidFill>
+            <a:ln>
+              <a:noFill/>
+            </a:ln>
+          </p:spPr>
+          <p:style>
+            <a:lnRef idx="2">
+              <a:schemeClr val="accent1">
+                <a:shade val="50000"/>
+              </a:schemeClr>
+            </a:lnRef>
+            <a:fillRef idx="1">
+              <a:schemeClr val="accent1"/>
+            </a:fillRef>
+            <a:effectRef idx="0">
+              <a:schemeClr val="accent1"/>
+            </a:effectRef>
+            <a:fontRef idx="minor">
+              <a:schemeClr val="lt1"/>
+            </a:fontRef>
+          </p:style>
+          <p:txBody>
+            <a:bodyPr wrap="square" rtlCol="0" anchor="ctr">
+              <a:noAutofit/>
+            </a:bodyPr>
+            <a:lstStyle/>
+            <a:p>
+              <a:pPr algn="ctr"/>
+              <a:endParaRPr lang="en-US"/>
+            </a:p>
+          </p:txBody>
+        </p:sp>
+        <p:sp>
+          <p:nvSpPr>
+            <p:cNvPr id="1054" name="Freeform 80">
+              <a:extLst>
+                <a:ext uri="{FF2B5EF4-FFF2-40B4-BE49-F238E27FC236}">
+                  <a16:creationId xmlns:a16="http://schemas.microsoft.com/office/drawing/2014/main" id="{315A1389-149A-3342-A863-637D42FDB28D}"/>
+                </a:ext>
+                <a:ext uri="{C183D7F6-B498-43B3-948B-1728B52AA6E4}">
+                  <adec:decorative xmlns:adec="http://schemas.microsoft.com/office/drawing/2017/decorative" val="1"/>
+                </a:ext>
+              </a:extLst>
+            </p:cNvPr>
+            <p:cNvSpPr/>
+            <p:nvPr>
+              <p:extLst>
+                <p:ext uri="{386F3935-93C4-4BCD-93E2-E3B085C9AB24}">
+                  <p16:designElem xmlns:p16="http://schemas.microsoft.com/office/powerpoint/2015/main" val="1"/>
+                </p:ext>
+              </p:extLst>
+            </p:nvPr>
+          </p:nvSpPr>
+          <p:spPr>
+            <a:xfrm>
+              <a:off x="11652853" y="809010"/>
+              <a:ext cx="539147" cy="1125439"/>
+            </a:xfrm>
+            <a:custGeom>
+              <a:avLst/>
+              <a:gdLst>
+                <a:gd name="connsiteX0" fmla="*/ 539147 w 539147"/>
+                <a:gd name="connsiteY0" fmla="*/ 0 h 1125439"/>
+                <a:gd name="connsiteX1" fmla="*/ 539147 w 539147"/>
+                <a:gd name="connsiteY1" fmla="*/ 1125439 h 1125439"/>
+                <a:gd name="connsiteX2" fmla="*/ 451423 w 539147"/>
+                <a:gd name="connsiteY2" fmla="*/ 1116595 h 1125439"/>
+                <a:gd name="connsiteX3" fmla="*/ 0 w 539147"/>
+                <a:gd name="connsiteY3" fmla="*/ 562719 h 1125439"/>
+                <a:gd name="connsiteX4" fmla="*/ 451423 w 539147"/>
+                <a:gd name="connsiteY4" fmla="*/ 8843 h 1125439"/>
+              </a:gdLst>
+              <a:ahLst/>
+              <a:cxnLst>
+                <a:cxn ang="0">
+                  <a:pos x="connsiteX0" y="connsiteY0"/>
+                </a:cxn>
+                <a:cxn ang="0">
+                  <a:pos x="connsiteX1" y="connsiteY1"/>
+                </a:cxn>
+                <a:cxn ang="0">
+                  <a:pos x="connsiteX2" y="connsiteY2"/>
+                </a:cxn>
+                <a:cxn ang="0">
+                  <a:pos x="connsiteX3" y="connsiteY3"/>
+                </a:cxn>
+                <a:cxn ang="0">
+                  <a:pos x="connsiteX4" y="connsiteY4"/>
+                </a:cxn>
+              </a:cxnLst>
+              <a:rect l="l" t="t" r="r" b="b"/>
+              <a:pathLst>
+                <a:path w="539147" h="1125439">
+                  <a:moveTo>
+                    <a:pt x="539147" y="0"/>
+                  </a:moveTo>
+                  <a:lnTo>
+                    <a:pt x="539147" y="1125439"/>
+                  </a:lnTo>
+                  <a:lnTo>
+                    <a:pt x="451423" y="1116595"/>
+                  </a:lnTo>
+                  <a:cubicBezTo>
+                    <a:pt x="193797" y="1063877"/>
+                    <a:pt x="0" y="835930"/>
+                    <a:pt x="0" y="562719"/>
+                  </a:cubicBezTo>
+                  <a:cubicBezTo>
+                    <a:pt x="0" y="289508"/>
+                    <a:pt x="193797" y="61561"/>
+                    <a:pt x="451423" y="8843"/>
+                  </a:cubicBezTo>
+                  <a:close/>
+                </a:path>
+              </a:pathLst>
+            </a:custGeom>
+            <a:solidFill>
+              <a:schemeClr val="bg2"/>
+            </a:solidFill>
+            <a:ln>
+              <a:noFill/>
+            </a:ln>
+          </p:spPr>
+          <p:style>
+            <a:lnRef idx="2">
+              <a:schemeClr val="accent1">
+                <a:shade val="50000"/>
+              </a:schemeClr>
+            </a:lnRef>
+            <a:fillRef idx="1">
+              <a:schemeClr val="accent1"/>
+            </a:fillRef>
+            <a:effectRef idx="0">
+              <a:schemeClr val="accent1"/>
+            </a:effectRef>
+            <a:fontRef idx="minor">
+              <a:schemeClr val="lt1"/>
+            </a:fontRef>
+          </p:style>
+          <p:txBody>
+            <a:bodyPr wrap="square" rtlCol="0" anchor="ctr">
+              <a:noAutofit/>
+            </a:bodyPr>
+            <a:lstStyle/>
+            <a:p>
+              <a:pPr algn="ctr"/>
+              <a:endParaRPr lang="en-US"/>
+            </a:p>
+          </p:txBody>
+        </p:sp>
+        <p:sp>
+          <p:nvSpPr>
+            <p:cNvPr id="1055" name="Freeform 81">
+              <a:extLst>
+                <a:ext uri="{FF2B5EF4-FFF2-40B4-BE49-F238E27FC236}">
+                  <a16:creationId xmlns:a16="http://schemas.microsoft.com/office/drawing/2014/main" id="{B149CC6F-B6C6-BE46-B451-1BF7D47A8936}"/>
+                </a:ext>
+                <a:ext uri="{C183D7F6-B498-43B3-948B-1728B52AA6E4}">
+                  <adec:decorative xmlns:adec="http://schemas.microsoft.com/office/drawing/2017/decorative" val="1"/>
+                </a:ext>
+              </a:extLst>
+            </p:cNvPr>
+            <p:cNvSpPr/>
+            <p:nvPr>
+              <p:extLst>
+                <p:ext uri="{386F3935-93C4-4BCD-93E2-E3B085C9AB24}">
+                  <p16:designElem xmlns:p16="http://schemas.microsoft.com/office/powerpoint/2015/main" val="1"/>
+                </p:ext>
+              </p:extLst>
+            </p:nvPr>
+          </p:nvSpPr>
+          <p:spPr>
+            <a:xfrm>
+              <a:off x="11652853" y="1"/>
+              <a:ext cx="539147" cy="562933"/>
+            </a:xfrm>
+            <a:custGeom>
+              <a:avLst/>
+              <a:gdLst>
+                <a:gd name="connsiteX0" fmla="*/ 22 w 539147"/>
+                <a:gd name="connsiteY0" fmla="*/ 0 h 562933"/>
+                <a:gd name="connsiteX1" fmla="*/ 539147 w 539147"/>
+                <a:gd name="connsiteY1" fmla="*/ 0 h 562933"/>
+                <a:gd name="connsiteX2" fmla="*/ 539147 w 539147"/>
+                <a:gd name="connsiteY2" fmla="*/ 562933 h 562933"/>
+                <a:gd name="connsiteX3" fmla="*/ 451423 w 539147"/>
+                <a:gd name="connsiteY3" fmla="*/ 554090 h 562933"/>
+                <a:gd name="connsiteX4" fmla="*/ 0 w 539147"/>
+                <a:gd name="connsiteY4" fmla="*/ 214 h 562933"/>
+              </a:gdLst>
+              <a:ahLst/>
+              <a:cxnLst>
+                <a:cxn ang="0">
+                  <a:pos x="connsiteX0" y="connsiteY0"/>
+                </a:cxn>
+                <a:cxn ang="0">
+                  <a:pos x="connsiteX1" y="connsiteY1"/>
+                </a:cxn>
+                <a:cxn ang="0">
+                  <a:pos x="connsiteX2" y="connsiteY2"/>
+                </a:cxn>
+                <a:cxn ang="0">
+                  <a:pos x="connsiteX3" y="connsiteY3"/>
+                </a:cxn>
+                <a:cxn ang="0">
+                  <a:pos x="connsiteX4" y="connsiteY4"/>
+                </a:cxn>
+              </a:cxnLst>
+              <a:rect l="l" t="t" r="r" b="b"/>
+              <a:pathLst>
+                <a:path w="539147" h="562933">
+                  <a:moveTo>
+                    <a:pt x="22" y="0"/>
+                  </a:moveTo>
+                  <a:lnTo>
+                    <a:pt x="539147" y="0"/>
+                  </a:lnTo>
+                  <a:lnTo>
+                    <a:pt x="539147" y="562933"/>
+                  </a:lnTo>
+                  <a:lnTo>
+                    <a:pt x="451423" y="554090"/>
+                  </a:lnTo>
+                  <a:cubicBezTo>
+                    <a:pt x="193797" y="501372"/>
+                    <a:pt x="0" y="273425"/>
+                    <a:pt x="0" y="214"/>
+                  </a:cubicBezTo>
+                  <a:close/>
+                </a:path>
+              </a:pathLst>
+            </a:custGeom>
+            <a:solidFill>
+              <a:schemeClr val="bg2"/>
+            </a:solidFill>
+            <a:ln>
+              <a:noFill/>
+            </a:ln>
+          </p:spPr>
+          <p:style>
+            <a:lnRef idx="2">
+              <a:schemeClr val="accent1">
+                <a:shade val="50000"/>
+              </a:schemeClr>
+            </a:lnRef>
+            <a:fillRef idx="1">
+              <a:schemeClr val="accent1"/>
+            </a:fillRef>
+            <a:effectRef idx="0">
+              <a:schemeClr val="accent1"/>
+            </a:effectRef>
+            <a:fontRef idx="minor">
+              <a:schemeClr val="lt1"/>
+            </a:fontRef>
+          </p:style>
+          <p:txBody>
+            <a:bodyPr wrap="square" rtlCol="0" anchor="ctr">
+              <a:noAutofit/>
+            </a:bodyPr>
+            <a:lstStyle/>
+            <a:p>
+              <a:pPr algn="ctr"/>
+              <a:endParaRPr lang="en-US"/>
+            </a:p>
+          </p:txBody>
+        </p:sp>
+      </p:grpSp>
+      <p:cxnSp>
+        <p:nvCxnSpPr>
+          <p:cNvPr id="1057" name="Straight Connector 1056">
+            <a:extLst>
+              <a:ext uri="{FF2B5EF4-FFF2-40B4-BE49-F238E27FC236}">
+                <a16:creationId xmlns:a16="http://schemas.microsoft.com/office/drawing/2014/main" id="{D33A3282-0389-C547-8CA6-7F3E7F27B34D}"/>
+              </a:ext>
+              <a:ext uri="{C183D7F6-B498-43B3-948B-1728B52AA6E4}">
+                <adec:decorative xmlns:adec="http://schemas.microsoft.com/office/drawing/2017/decorative" val="1"/>
+              </a:ext>
+            </a:extLst>
+          </p:cNvPr>
+          <p:cNvCxnSpPr>
+            <a:cxnSpLocks noGrp="1" noRot="1" noChangeAspect="1" noMove="1" noResize="1" noEditPoints="1" noAdjustHandles="1" noChangeArrowheads="1" noChangeShapeType="1"/>
+          </p:cNvCxnSpPr>
+          <p:nvPr>
+            <p:extLst>
+              <p:ext uri="{386F3935-93C4-4BCD-93E2-E3B085C9AB24}">
+                <p16:designElem xmlns:p16="http://schemas.microsoft.com/office/powerpoint/2015/main" val="1"/>
+              </p:ext>
+            </p:extLst>
+          </p:nvPr>
+        </p:nvCxnSpPr>
+        <p:spPr>
+          <a:xfrm>
+            <a:off x="565150" y="6087110"/>
+            <a:ext cx="5066001" cy="0"/>
+          </a:xfrm>
+          <a:prstGeom prst="line">
+            <a:avLst/>
+          </a:prstGeom>
+          <a:ln w="12700">
+            <a:solidFill>
+              <a:schemeClr val="bg1">
+                <a:lumMod val="65000"/>
+              </a:schemeClr>
+            </a:solidFill>
+          </a:ln>
+        </p:spPr>
+        <p:style>
+          <a:lnRef idx="1">
+            <a:schemeClr val="accent1"/>
+          </a:lnRef>
+          <a:fillRef idx="0">
+            <a:schemeClr val="accent1"/>
+          </a:fillRef>
+          <a:effectRef idx="0">
+            <a:schemeClr val="accent1"/>
+          </a:effectRef>
+          <a:fontRef idx="minor">
+            <a:schemeClr val="tx1"/>
+          </a:fontRef>
+        </p:style>
+      </p:cxnSp>
+      <p:sp useBgFill="1">
+        <p:nvSpPr>
+          <p:cNvPr id="1059" name="Rectangle 1058">
+            <a:extLst>
+              <a:ext uri="{FF2B5EF4-FFF2-40B4-BE49-F238E27FC236}">
+                <a16:creationId xmlns:a16="http://schemas.microsoft.com/office/drawing/2014/main" id="{4EFE82FE-7465-AE46-88DF-34D347E83B84}"/>
+              </a:ext>
+              <a:ext uri="{C183D7F6-B498-43B3-948B-1728B52AA6E4}">
+                <adec:decorative xmlns:adec="http://schemas.microsoft.com/office/drawing/2017/decorative" val="1"/>
+              </a:ext>
+            </a:extLst>
+          </p:cNvPr>
+          <p:cNvSpPr>
+            <a:spLocks noGrp="1" noRot="1" noChangeAspect="1" noMove="1" noResize="1" noEditPoints="1" noAdjustHandles="1" noChangeArrowheads="1" noChangeShapeType="1" noTextEdit="1"/>
+          </p:cNvSpPr>
+          <p:nvPr>
+            <p:extLst>
+              <p:ext uri="{386F3935-93C4-4BCD-93E2-E3B085C9AB24}">
+                <p16:designElem xmlns:p16="http://schemas.microsoft.com/office/powerpoint/2015/main" val="1"/>
+              </p:ext>
+            </p:extLst>
+          </p:nvPr>
+        </p:nvSpPr>
+        <p:spPr>
+          <a:xfrm>
+            <a:off x="0" y="0"/>
+            <a:ext cx="12192000" cy="6858000"/>
+          </a:xfrm>
+          <a:prstGeom prst="rect">
+            <a:avLst/>
+          </a:prstGeom>
+          <a:ln>
+            <a:noFill/>
+          </a:ln>
+        </p:spPr>
+        <p:style>
+          <a:lnRef idx="2">
+            <a:schemeClr val="accent1">
+              <a:shade val="50000"/>
+            </a:schemeClr>
+          </a:lnRef>
+          <a:fillRef idx="1">
+            <a:schemeClr val="accent1"/>
+          </a:fillRef>
+          <a:effectRef idx="0">
+            <a:schemeClr val="accent1"/>
+          </a:effectRef>
+          <a:fontRef idx="minor">
+            <a:schemeClr val="lt1"/>
+          </a:fontRef>
+        </p:style>
+        <p:txBody>
+          <a:bodyPr rtlCol="0" anchor="ctr"/>
+          <a:lstStyle/>
+          <a:p>
+            <a:pPr algn="ctr"/>
+            <a:endParaRPr lang="en-US"/>
+          </a:p>
+        </p:txBody>
+      </p:sp>
       <p:sp>
         <p:nvSpPr>
           <p:cNvPr id="2" name="标题 1">
@@ -23782,53 +26159,637 @@
         </p:nvSpPr>
         <p:spPr>
           <a:xfrm>
-            <a:off x="348781" y="144463"/>
-            <a:ext cx="7335835" cy="1268984"/>
+            <a:off x="8606025" y="357059"/>
+            <a:ext cx="3585976" cy="1826131"/>
           </a:xfrm>
         </p:spPr>
         <p:txBody>
-          <a:bodyPr/>
+          <a:bodyPr vert="horz" lIns="91440" tIns="45720" rIns="91440" bIns="45720" rtlCol="0" anchor="t">
+            <a:normAutofit/>
+          </a:bodyPr>
           <a:lstStyle/>
           <a:p>
+            <a:pPr>
+              <a:lnSpc>
+                <a:spcPct val="100000"/>
+              </a:lnSpc>
+            </a:pPr>
             <a:r>
-              <a:rPr lang="zh-CN" altLang="en-US">
-                <a:cs typeface="Segoe UI"/>
-              </a:rPr>
-              <a:t>E/R Diagram</a:t>
+              <a:rPr lang="en-US" altLang="zh-CN" sz="4800" dirty="0"/>
+              <a:t>E/R </a:t>
             </a:r>
-            <a:endParaRPr lang="zh-CN" altLang="en-US"/>
+            <a:br>
+              <a:rPr lang="en-US" altLang="zh-CN" sz="4800" dirty="0"/>
+            </a:br>
+            <a:r>
+              <a:rPr lang="en-US" altLang="zh-CN" sz="4800" dirty="0"/>
+              <a:t>Diagram</a:t>
+            </a:r>
           </a:p>
         </p:txBody>
       </p:sp>
+      <p:grpSp>
+        <p:nvGrpSpPr>
+          <p:cNvPr id="1061" name="Group 1060">
+            <a:extLst>
+              <a:ext uri="{FF2B5EF4-FFF2-40B4-BE49-F238E27FC236}">
+                <a16:creationId xmlns:a16="http://schemas.microsoft.com/office/drawing/2014/main" id="{BCFFF971-DAC9-F44B-9F22-4B030B6B61B3}"/>
+              </a:ext>
+              <a:ext uri="{C183D7F6-B498-43B3-948B-1728B52AA6E4}">
+                <adec:decorative xmlns:adec="http://schemas.microsoft.com/office/drawing/2017/decorative" val="1"/>
+              </a:ext>
+            </a:extLst>
+          </p:cNvPr>
+          <p:cNvGrpSpPr>
+            <a:grpSpLocks noGrp="1" noUngrp="1" noRot="1" noChangeAspect="1" noMove="1" noResize="1"/>
+          </p:cNvGrpSpPr>
+          <p:nvPr>
+            <p:extLst>
+              <p:ext uri="{386F3935-93C4-4BCD-93E2-E3B085C9AB24}">
+                <p16:designElem xmlns:p16="http://schemas.microsoft.com/office/powerpoint/2015/main" val="1"/>
+              </p:ext>
+            </p:extLst>
+          </p:nvPr>
+        </p:nvGrpSpPr>
+        <p:grpSpPr>
+          <a:xfrm>
+            <a:off x="10290315" y="0"/>
+            <a:ext cx="1901686" cy="4677439"/>
+            <a:chOff x="10290315" y="0"/>
+            <a:chExt cx="1901686" cy="4677439"/>
+          </a:xfrm>
+        </p:grpSpPr>
+        <p:sp>
+          <p:nvSpPr>
+            <p:cNvPr id="1062" name="Freeform 39">
+              <a:extLst>
+                <a:ext uri="{FF2B5EF4-FFF2-40B4-BE49-F238E27FC236}">
+                  <a16:creationId xmlns:a16="http://schemas.microsoft.com/office/drawing/2014/main" id="{2E3E7145-2B02-8142-A82F-FFCA717D6145}"/>
+                </a:ext>
+                <a:ext uri="{C183D7F6-B498-43B3-948B-1728B52AA6E4}">
+                  <adec:decorative xmlns:adec="http://schemas.microsoft.com/office/drawing/2017/decorative" val="1"/>
+                </a:ext>
+              </a:extLst>
+            </p:cNvPr>
+            <p:cNvSpPr/>
+            <p:nvPr>
+              <p:extLst>
+                <p:ext uri="{386F3935-93C4-4BCD-93E2-E3B085C9AB24}">
+                  <p16:designElem xmlns:p16="http://schemas.microsoft.com/office/powerpoint/2015/main" val="1"/>
+                </p:ext>
+              </p:extLst>
+            </p:nvPr>
+          </p:nvSpPr>
+          <p:spPr>
+            <a:xfrm>
+              <a:off x="10290315" y="0"/>
+              <a:ext cx="1130724" cy="565573"/>
+            </a:xfrm>
+            <a:custGeom>
+              <a:avLst/>
+              <a:gdLst>
+                <a:gd name="connsiteX0" fmla="*/ 21 w 1130724"/>
+                <a:gd name="connsiteY0" fmla="*/ 0 h 565573"/>
+                <a:gd name="connsiteX1" fmla="*/ 1130703 w 1130724"/>
+                <a:gd name="connsiteY1" fmla="*/ 0 h 565573"/>
+                <a:gd name="connsiteX2" fmla="*/ 1130724 w 1130724"/>
+                <a:gd name="connsiteY2" fmla="*/ 211 h 565573"/>
+                <a:gd name="connsiteX3" fmla="*/ 565362 w 1130724"/>
+                <a:gd name="connsiteY3" fmla="*/ 565573 h 565573"/>
+                <a:gd name="connsiteX4" fmla="*/ 0 w 1130724"/>
+                <a:gd name="connsiteY4" fmla="*/ 211 h 565573"/>
+              </a:gdLst>
+              <a:ahLst/>
+              <a:cxnLst>
+                <a:cxn ang="0">
+                  <a:pos x="connsiteX0" y="connsiteY0"/>
+                </a:cxn>
+                <a:cxn ang="0">
+                  <a:pos x="connsiteX1" y="connsiteY1"/>
+                </a:cxn>
+                <a:cxn ang="0">
+                  <a:pos x="connsiteX2" y="connsiteY2"/>
+                </a:cxn>
+                <a:cxn ang="0">
+                  <a:pos x="connsiteX3" y="connsiteY3"/>
+                </a:cxn>
+                <a:cxn ang="0">
+                  <a:pos x="connsiteX4" y="connsiteY4"/>
+                </a:cxn>
+              </a:cxnLst>
+              <a:rect l="l" t="t" r="r" b="b"/>
+              <a:pathLst>
+                <a:path w="1130724" h="565573">
+                  <a:moveTo>
+                    <a:pt x="21" y="0"/>
+                  </a:moveTo>
+                  <a:lnTo>
+                    <a:pt x="1130703" y="0"/>
+                  </a:lnTo>
+                  <a:lnTo>
+                    <a:pt x="1130724" y="211"/>
+                  </a:lnTo>
+                  <a:cubicBezTo>
+                    <a:pt x="1130724" y="312452"/>
+                    <a:pt x="877603" y="565573"/>
+                    <a:pt x="565362" y="565573"/>
+                  </a:cubicBezTo>
+                  <a:cubicBezTo>
+                    <a:pt x="253121" y="565573"/>
+                    <a:pt x="0" y="312452"/>
+                    <a:pt x="0" y="211"/>
+                  </a:cubicBezTo>
+                  <a:close/>
+                </a:path>
+              </a:pathLst>
+            </a:custGeom>
+            <a:solidFill>
+              <a:schemeClr val="bg2"/>
+            </a:solidFill>
+            <a:ln>
+              <a:noFill/>
+            </a:ln>
+          </p:spPr>
+          <p:style>
+            <a:lnRef idx="2">
+              <a:schemeClr val="accent1">
+                <a:shade val="50000"/>
+              </a:schemeClr>
+            </a:lnRef>
+            <a:fillRef idx="1">
+              <a:schemeClr val="accent1"/>
+            </a:fillRef>
+            <a:effectRef idx="0">
+              <a:schemeClr val="accent1"/>
+            </a:effectRef>
+            <a:fontRef idx="minor">
+              <a:schemeClr val="lt1"/>
+            </a:fontRef>
+          </p:style>
+          <p:txBody>
+            <a:bodyPr wrap="square" rtlCol="0" anchor="ctr">
+              <a:noAutofit/>
+            </a:bodyPr>
+            <a:lstStyle/>
+            <a:p>
+              <a:pPr algn="ctr"/>
+              <a:endParaRPr lang="en-US"/>
+            </a:p>
+          </p:txBody>
+        </p:sp>
+        <p:sp>
+          <p:nvSpPr>
+            <p:cNvPr id="1063" name="Freeform 41">
+              <a:extLst>
+                <a:ext uri="{FF2B5EF4-FFF2-40B4-BE49-F238E27FC236}">
+                  <a16:creationId xmlns:a16="http://schemas.microsoft.com/office/drawing/2014/main" id="{33EA453D-E925-4C4C-A1E9-D54E82602D35}"/>
+                </a:ext>
+                <a:ext uri="{C183D7F6-B498-43B3-948B-1728B52AA6E4}">
+                  <adec:decorative xmlns:adec="http://schemas.microsoft.com/office/drawing/2017/decorative" val="1"/>
+                </a:ext>
+              </a:extLst>
+            </p:cNvPr>
+            <p:cNvSpPr/>
+            <p:nvPr>
+              <p:extLst>
+                <p:ext uri="{386F3935-93C4-4BCD-93E2-E3B085C9AB24}">
+                  <p16:designElem xmlns:p16="http://schemas.microsoft.com/office/powerpoint/2015/main" val="1"/>
+                </p:ext>
+              </p:extLst>
+            </p:nvPr>
+          </p:nvSpPr>
+          <p:spPr>
+            <a:xfrm>
+              <a:off x="11653180" y="3552066"/>
+              <a:ext cx="538821" cy="1125373"/>
+            </a:xfrm>
+            <a:custGeom>
+              <a:avLst/>
+              <a:gdLst>
+                <a:gd name="connsiteX0" fmla="*/ 538821 w 538821"/>
+                <a:gd name="connsiteY0" fmla="*/ 0 h 1125373"/>
+                <a:gd name="connsiteX1" fmla="*/ 538821 w 538821"/>
+                <a:gd name="connsiteY1" fmla="*/ 1125373 h 1125373"/>
+                <a:gd name="connsiteX2" fmla="*/ 451422 w 538821"/>
+                <a:gd name="connsiteY2" fmla="*/ 1116562 h 1125373"/>
+                <a:gd name="connsiteX3" fmla="*/ 0 w 538821"/>
+                <a:gd name="connsiteY3" fmla="*/ 562686 h 1125373"/>
+                <a:gd name="connsiteX4" fmla="*/ 451422 w 538821"/>
+                <a:gd name="connsiteY4" fmla="*/ 8810 h 1125373"/>
+              </a:gdLst>
+              <a:ahLst/>
+              <a:cxnLst>
+                <a:cxn ang="0">
+                  <a:pos x="connsiteX0" y="connsiteY0"/>
+                </a:cxn>
+                <a:cxn ang="0">
+                  <a:pos x="connsiteX1" y="connsiteY1"/>
+                </a:cxn>
+                <a:cxn ang="0">
+                  <a:pos x="connsiteX2" y="connsiteY2"/>
+                </a:cxn>
+                <a:cxn ang="0">
+                  <a:pos x="connsiteX3" y="connsiteY3"/>
+                </a:cxn>
+                <a:cxn ang="0">
+                  <a:pos x="connsiteX4" y="connsiteY4"/>
+                </a:cxn>
+              </a:cxnLst>
+              <a:rect l="l" t="t" r="r" b="b"/>
+              <a:pathLst>
+                <a:path w="538821" h="1125373">
+                  <a:moveTo>
+                    <a:pt x="538821" y="0"/>
+                  </a:moveTo>
+                  <a:lnTo>
+                    <a:pt x="538821" y="1125373"/>
+                  </a:lnTo>
+                  <a:lnTo>
+                    <a:pt x="451422" y="1116562"/>
+                  </a:lnTo>
+                  <a:cubicBezTo>
+                    <a:pt x="193796" y="1063844"/>
+                    <a:pt x="0" y="835897"/>
+                    <a:pt x="0" y="562686"/>
+                  </a:cubicBezTo>
+                  <a:cubicBezTo>
+                    <a:pt x="0" y="289475"/>
+                    <a:pt x="193796" y="61528"/>
+                    <a:pt x="451422" y="8810"/>
+                  </a:cubicBezTo>
+                  <a:close/>
+                </a:path>
+              </a:pathLst>
+            </a:custGeom>
+            <a:solidFill>
+              <a:schemeClr val="bg2"/>
+            </a:solidFill>
+            <a:ln>
+              <a:noFill/>
+            </a:ln>
+          </p:spPr>
+          <p:style>
+            <a:lnRef idx="2">
+              <a:schemeClr val="accent1">
+                <a:shade val="50000"/>
+              </a:schemeClr>
+            </a:lnRef>
+            <a:fillRef idx="1">
+              <a:schemeClr val="accent1"/>
+            </a:fillRef>
+            <a:effectRef idx="0">
+              <a:schemeClr val="accent1"/>
+            </a:effectRef>
+            <a:fontRef idx="minor">
+              <a:schemeClr val="lt1"/>
+            </a:fontRef>
+          </p:style>
+          <p:txBody>
+            <a:bodyPr wrap="square" rtlCol="0" anchor="ctr">
+              <a:noAutofit/>
+            </a:bodyPr>
+            <a:lstStyle/>
+            <a:p>
+              <a:pPr algn="ctr"/>
+              <a:endParaRPr lang="en-US"/>
+            </a:p>
+          </p:txBody>
+        </p:sp>
+        <p:sp>
+          <p:nvSpPr>
+            <p:cNvPr id="1064" name="Freeform 43">
+              <a:extLst>
+                <a:ext uri="{FF2B5EF4-FFF2-40B4-BE49-F238E27FC236}">
+                  <a16:creationId xmlns:a16="http://schemas.microsoft.com/office/drawing/2014/main" id="{CBA4AF6C-8831-A34A-91A3-CC6ED3566B57}"/>
+                </a:ext>
+                <a:ext uri="{C183D7F6-B498-43B3-948B-1728B52AA6E4}">
+                  <adec:decorative xmlns:adec="http://schemas.microsoft.com/office/drawing/2017/decorative" val="1"/>
+                </a:ext>
+              </a:extLst>
+            </p:cNvPr>
+            <p:cNvSpPr/>
+            <p:nvPr>
+              <p:extLst>
+                <p:ext uri="{386F3935-93C4-4BCD-93E2-E3B085C9AB24}">
+                  <p16:designElem xmlns:p16="http://schemas.microsoft.com/office/powerpoint/2015/main" val="1"/>
+                </p:ext>
+              </p:extLst>
+            </p:nvPr>
+          </p:nvSpPr>
+          <p:spPr>
+            <a:xfrm>
+              <a:off x="11653180" y="809039"/>
+              <a:ext cx="538821" cy="1125373"/>
+            </a:xfrm>
+            <a:custGeom>
+              <a:avLst/>
+              <a:gdLst>
+                <a:gd name="connsiteX0" fmla="*/ 538821 w 538821"/>
+                <a:gd name="connsiteY0" fmla="*/ 0 h 1125373"/>
+                <a:gd name="connsiteX1" fmla="*/ 538821 w 538821"/>
+                <a:gd name="connsiteY1" fmla="*/ 1125373 h 1125373"/>
+                <a:gd name="connsiteX2" fmla="*/ 451422 w 538821"/>
+                <a:gd name="connsiteY2" fmla="*/ 1116562 h 1125373"/>
+                <a:gd name="connsiteX3" fmla="*/ 0 w 538821"/>
+                <a:gd name="connsiteY3" fmla="*/ 562686 h 1125373"/>
+                <a:gd name="connsiteX4" fmla="*/ 451422 w 538821"/>
+                <a:gd name="connsiteY4" fmla="*/ 8810 h 1125373"/>
+              </a:gdLst>
+              <a:ahLst/>
+              <a:cxnLst>
+                <a:cxn ang="0">
+                  <a:pos x="connsiteX0" y="connsiteY0"/>
+                </a:cxn>
+                <a:cxn ang="0">
+                  <a:pos x="connsiteX1" y="connsiteY1"/>
+                </a:cxn>
+                <a:cxn ang="0">
+                  <a:pos x="connsiteX2" y="connsiteY2"/>
+                </a:cxn>
+                <a:cxn ang="0">
+                  <a:pos x="connsiteX3" y="connsiteY3"/>
+                </a:cxn>
+                <a:cxn ang="0">
+                  <a:pos x="connsiteX4" y="connsiteY4"/>
+                </a:cxn>
+              </a:cxnLst>
+              <a:rect l="l" t="t" r="r" b="b"/>
+              <a:pathLst>
+                <a:path w="538821" h="1125373">
+                  <a:moveTo>
+                    <a:pt x="538821" y="0"/>
+                  </a:moveTo>
+                  <a:lnTo>
+                    <a:pt x="538821" y="1125373"/>
+                  </a:lnTo>
+                  <a:lnTo>
+                    <a:pt x="451422" y="1116562"/>
+                  </a:lnTo>
+                  <a:cubicBezTo>
+                    <a:pt x="193796" y="1063844"/>
+                    <a:pt x="0" y="835897"/>
+                    <a:pt x="0" y="562686"/>
+                  </a:cubicBezTo>
+                  <a:cubicBezTo>
+                    <a:pt x="0" y="289475"/>
+                    <a:pt x="193796" y="61528"/>
+                    <a:pt x="451422" y="8810"/>
+                  </a:cubicBezTo>
+                  <a:close/>
+                </a:path>
+              </a:pathLst>
+            </a:custGeom>
+            <a:solidFill>
+              <a:schemeClr val="accent1"/>
+            </a:solidFill>
+            <a:ln>
+              <a:noFill/>
+            </a:ln>
+          </p:spPr>
+          <p:style>
+            <a:lnRef idx="2">
+              <a:schemeClr val="accent1">
+                <a:shade val="50000"/>
+              </a:schemeClr>
+            </a:lnRef>
+            <a:fillRef idx="1">
+              <a:schemeClr val="accent1"/>
+            </a:fillRef>
+            <a:effectRef idx="0">
+              <a:schemeClr val="accent1"/>
+            </a:effectRef>
+            <a:fontRef idx="minor">
+              <a:schemeClr val="lt1"/>
+            </a:fontRef>
+          </p:style>
+          <p:txBody>
+            <a:bodyPr wrap="square" rtlCol="0" anchor="ctr">
+              <a:noAutofit/>
+            </a:bodyPr>
+            <a:lstStyle/>
+            <a:p>
+              <a:pPr algn="ctr"/>
+              <a:endParaRPr lang="en-US"/>
+            </a:p>
+          </p:txBody>
+        </p:sp>
+        <p:sp>
+          <p:nvSpPr>
+            <p:cNvPr id="1065" name="Freeform 44">
+              <a:extLst>
+                <a:ext uri="{FF2B5EF4-FFF2-40B4-BE49-F238E27FC236}">
+                  <a16:creationId xmlns:a16="http://schemas.microsoft.com/office/drawing/2014/main" id="{8B12A352-6C2B-B94E-82E0-45D881BB7CD0}"/>
+                </a:ext>
+                <a:ext uri="{C183D7F6-B498-43B3-948B-1728B52AA6E4}">
+                  <adec:decorative xmlns:adec="http://schemas.microsoft.com/office/drawing/2017/decorative" val="1"/>
+                </a:ext>
+              </a:extLst>
+            </p:cNvPr>
+            <p:cNvSpPr/>
+            <p:nvPr>
+              <p:extLst>
+                <p:ext uri="{386F3935-93C4-4BCD-93E2-E3B085C9AB24}">
+                  <p16:designElem xmlns:p16="http://schemas.microsoft.com/office/powerpoint/2015/main" val="1"/>
+                </p:ext>
+              </p:extLst>
+            </p:nvPr>
+          </p:nvSpPr>
+          <p:spPr>
+            <a:xfrm>
+              <a:off x="11653180" y="0"/>
+              <a:ext cx="538821" cy="562898"/>
+            </a:xfrm>
+            <a:custGeom>
+              <a:avLst/>
+              <a:gdLst>
+                <a:gd name="connsiteX0" fmla="*/ 21 w 538821"/>
+                <a:gd name="connsiteY0" fmla="*/ 0 h 562898"/>
+                <a:gd name="connsiteX1" fmla="*/ 538821 w 538821"/>
+                <a:gd name="connsiteY1" fmla="*/ 0 h 562898"/>
+                <a:gd name="connsiteX2" fmla="*/ 538821 w 538821"/>
+                <a:gd name="connsiteY2" fmla="*/ 562898 h 562898"/>
+                <a:gd name="connsiteX3" fmla="*/ 451422 w 538821"/>
+                <a:gd name="connsiteY3" fmla="*/ 554087 h 562898"/>
+                <a:gd name="connsiteX4" fmla="*/ 0 w 538821"/>
+                <a:gd name="connsiteY4" fmla="*/ 211 h 562898"/>
+              </a:gdLst>
+              <a:ahLst/>
+              <a:cxnLst>
+                <a:cxn ang="0">
+                  <a:pos x="connsiteX0" y="connsiteY0"/>
+                </a:cxn>
+                <a:cxn ang="0">
+                  <a:pos x="connsiteX1" y="connsiteY1"/>
+                </a:cxn>
+                <a:cxn ang="0">
+                  <a:pos x="connsiteX2" y="connsiteY2"/>
+                </a:cxn>
+                <a:cxn ang="0">
+                  <a:pos x="connsiteX3" y="connsiteY3"/>
+                </a:cxn>
+                <a:cxn ang="0">
+                  <a:pos x="connsiteX4" y="connsiteY4"/>
+                </a:cxn>
+              </a:cxnLst>
+              <a:rect l="l" t="t" r="r" b="b"/>
+              <a:pathLst>
+                <a:path w="538821" h="562898">
+                  <a:moveTo>
+                    <a:pt x="21" y="0"/>
+                  </a:moveTo>
+                  <a:lnTo>
+                    <a:pt x="538821" y="0"/>
+                  </a:lnTo>
+                  <a:lnTo>
+                    <a:pt x="538821" y="562898"/>
+                  </a:lnTo>
+                  <a:lnTo>
+                    <a:pt x="451422" y="554087"/>
+                  </a:lnTo>
+                  <a:cubicBezTo>
+                    <a:pt x="193796" y="501369"/>
+                    <a:pt x="0" y="273422"/>
+                    <a:pt x="0" y="211"/>
+                  </a:cubicBezTo>
+                  <a:close/>
+                </a:path>
+              </a:pathLst>
+            </a:custGeom>
+            <a:solidFill>
+              <a:schemeClr val="bg2"/>
+            </a:solidFill>
+            <a:ln>
+              <a:noFill/>
+            </a:ln>
+          </p:spPr>
+          <p:style>
+            <a:lnRef idx="2">
+              <a:schemeClr val="accent1">
+                <a:shade val="50000"/>
+              </a:schemeClr>
+            </a:lnRef>
+            <a:fillRef idx="1">
+              <a:schemeClr val="accent1"/>
+            </a:fillRef>
+            <a:effectRef idx="0">
+              <a:schemeClr val="accent1"/>
+            </a:effectRef>
+            <a:fontRef idx="minor">
+              <a:schemeClr val="lt1"/>
+            </a:fontRef>
+          </p:style>
+          <p:txBody>
+            <a:bodyPr wrap="square" rtlCol="0" anchor="ctr">
+              <a:noAutofit/>
+            </a:bodyPr>
+            <a:lstStyle/>
+            <a:p>
+              <a:pPr algn="ctr"/>
+              <a:endParaRPr lang="en-US"/>
+            </a:p>
+          </p:txBody>
+        </p:sp>
+      </p:grpSp>
       <p:pic>
         <p:nvPicPr>
-          <p:cNvPr id="7" name="Content Placeholder 6" descr="A diagram of a meeting&#10;&#10;Description automatically generated">
+          <p:cNvPr id="1026" name="Picture 2" descr="A diagram of a meeting&#10;&#10;Description automatically generated">
             <a:extLst>
               <a:ext uri="{FF2B5EF4-FFF2-40B4-BE49-F238E27FC236}">
-                <a16:creationId xmlns:a16="http://schemas.microsoft.com/office/drawing/2014/main" id="{A648164F-E3A3-0B8D-909B-7F720FABD6CD}"/>
+                <a16:creationId xmlns:a16="http://schemas.microsoft.com/office/drawing/2014/main" id="{D767C2B3-92CA-F89C-853E-94CE67CF534F}"/>
               </a:ext>
             </a:extLst>
           </p:cNvPr>
           <p:cNvPicPr>
-            <a:picLocks noGrp="1" noChangeAspect="1"/>
+            <a:picLocks noChangeAspect="1" noChangeArrowheads="1"/>
           </p:cNvPicPr>
-          <p:nvPr>
-            <p:ph idx="1"/>
-          </p:nvPr>
+          <p:nvPr/>
         </p:nvPicPr>
         <p:blipFill>
-          <a:blip r:embed="rId3"/>
+          <a:blip r:embed="rId3">
+            <a:extLst>
+              <a:ext uri="{28A0092B-C50C-407E-A947-70E740481C1C}">
+                <a14:useLocalDpi xmlns:a14="http://schemas.microsoft.com/office/drawing/2010/main" val="0"/>
+              </a:ext>
+            </a:extLst>
+          </a:blip>
           <a:stretch>
             <a:fillRect/>
           </a:stretch>
         </p:blipFill>
+        <p:spPr bwMode="auto">
+          <a:xfrm>
+            <a:off x="743525" y="172497"/>
+            <a:ext cx="7862500" cy="5896875"/>
+          </a:xfrm>
+          <a:prstGeom prst="rect">
+            <a:avLst/>
+          </a:prstGeom>
+          <a:noFill/>
+          <a:extLst>
+            <a:ext uri="{909E8E84-426E-40DD-AFC4-6F175D3DCCD1}">
+              <a14:hiddenFill xmlns:a14="http://schemas.microsoft.com/office/drawing/2010/main">
+                <a:solidFill>
+                  <a:srgbClr val="FFFFFF"/>
+                </a:solidFill>
+              </a14:hiddenFill>
+            </a:ext>
+          </a:extLst>
+        </p:spPr>
+      </p:pic>
+      <p:cxnSp>
+        <p:nvCxnSpPr>
+          <p:cNvPr id="1067" name="Straight Connector 1066">
+            <a:extLst>
+              <a:ext uri="{FF2B5EF4-FFF2-40B4-BE49-F238E27FC236}">
+                <a16:creationId xmlns:a16="http://schemas.microsoft.com/office/drawing/2014/main" id="{51D4F49C-5EE1-6C4F-858E-AE02CC2CD5BB}"/>
+              </a:ext>
+              <a:ext uri="{C183D7F6-B498-43B3-948B-1728B52AA6E4}">
+                <adec:decorative xmlns:adec="http://schemas.microsoft.com/office/drawing/2017/decorative" val="1"/>
+              </a:ext>
+            </a:extLst>
+          </p:cNvPr>
+          <p:cNvCxnSpPr>
+            <a:cxnSpLocks noGrp="1" noRot="1" noChangeAspect="1" noMove="1" noResize="1" noEditPoints="1" noAdjustHandles="1" noChangeArrowheads="1" noChangeShapeType="1"/>
+          </p:cNvCxnSpPr>
+          <p:nvPr>
+            <p:extLst>
+              <p:ext uri="{386F3935-93C4-4BCD-93E2-E3B085C9AB24}">
+                <p16:designElem xmlns:p16="http://schemas.microsoft.com/office/powerpoint/2015/main" val="1"/>
+              </p:ext>
+            </p:extLst>
+          </p:nvPr>
+        </p:nvCxnSpPr>
         <p:spPr>
           <a:xfrm>
-            <a:off x="1426183" y="1072778"/>
-            <a:ext cx="6714650" cy="5031507"/>
+            <a:off x="565150" y="6087110"/>
+            <a:ext cx="11058344" cy="0"/>
           </a:xfrm>
+          <a:prstGeom prst="line">
+            <a:avLst/>
+          </a:prstGeom>
+          <a:ln w="12700">
+            <a:solidFill>
+              <a:schemeClr val="bg1">
+                <a:lumMod val="65000"/>
+              </a:schemeClr>
+            </a:solidFill>
+          </a:ln>
         </p:spPr>
-      </p:pic>
+        <p:style>
+          <a:lnRef idx="1">
+            <a:schemeClr val="accent1"/>
+          </a:lnRef>
+          <a:fillRef idx="0">
+            <a:schemeClr val="accent1"/>
+          </a:fillRef>
+          <a:effectRef idx="0">
+            <a:schemeClr val="accent1"/>
+          </a:effectRef>
+          <a:fontRef idx="minor">
+            <a:schemeClr val="tx1"/>
+          </a:fontRef>
+        </p:style>
+      </p:cxnSp>
     </p:spTree>
     <p:extLst>
       <p:ext uri="{BB962C8B-B14F-4D97-AF65-F5344CB8AC3E}">
@@ -23875,7 +26836,12 @@
             <p:ph type="title"/>
           </p:nvPr>
         </p:nvSpPr>
-        <p:spPr/>
+        <p:spPr>
+          <a:xfrm>
+            <a:off x="549910" y="618490"/>
+            <a:ext cx="7335835" cy="1268984"/>
+          </a:xfrm>
+        </p:spPr>
         <p:txBody>
           <a:bodyPr/>
           <a:lstStyle/>
@@ -23892,10 +26858,10 @@
       </p:sp>
       <p:pic>
         <p:nvPicPr>
-          <p:cNvPr id="4" name="图片 3" descr="图形用户界面&#10;&#10;已自动生成说明">
+          <p:cNvPr id="5" name="图片 4">
             <a:extLst>
               <a:ext uri="{FF2B5EF4-FFF2-40B4-BE49-F238E27FC236}">
-                <a16:creationId xmlns:a16="http://schemas.microsoft.com/office/drawing/2014/main" id="{73F84853-CC2C-5A5A-5249-A20EE7079820}"/>
+                <a16:creationId xmlns:a16="http://schemas.microsoft.com/office/drawing/2014/main" id="{465A44BD-A661-1E18-2B11-FF3394E49464}"/>
               </a:ext>
             </a:extLst>
           </p:cNvPr>
@@ -23912,8 +26878,8 @@
         </p:blipFill>
         <p:spPr>
           <a:xfrm>
-            <a:off x="560196" y="1913199"/>
-            <a:ext cx="11024557" cy="4403006"/>
+            <a:off x="763718" y="1582673"/>
+            <a:ext cx="9809031" cy="4431411"/>
           </a:xfrm>
           <a:prstGeom prst="rect">
             <a:avLst/>
@@ -27851,4 +30817,248 @@
     </a:ext>
   </a:extLst>
 </a:theme>
+</file>
+
+<file path=customXml/item1.xml><?xml version="1.0" encoding="utf-8"?>
+<?mso-contentType ?>
+<FormTemplates xmlns="http://schemas.microsoft.com/sharepoint/v3/contenttype/forms">
+  <Display>DocumentLibraryForm</Display>
+  <Edit>DocumentLibraryForm</Edit>
+  <New>DocumentLibraryForm</New>
+</FormTemplates>
+</file>
+
+<file path=customXml/item2.xml><?xml version="1.0" encoding="utf-8"?>
+<ct:contentTypeSchema xmlns:ct="http://schemas.microsoft.com/office/2006/metadata/contentType" xmlns:ma="http://schemas.microsoft.com/office/2006/metadata/properties/metaAttributes" ct:_="" ma:_="" ma:contentTypeName="Document" ma:contentTypeID="0x010100CBF57B8475374A48B622F352A0148789" ma:contentTypeVersion="7" ma:contentTypeDescription="Create a new document." ma:contentTypeScope="" ma:versionID="132c5926eaec4903d91e3909f5fbbc09">
+  <xsd:schema xmlns:xsd="http://www.w3.org/2001/XMLSchema" xmlns:xs="http://www.w3.org/2001/XMLSchema" xmlns:p="http://schemas.microsoft.com/office/2006/metadata/properties" xmlns:ns3="94d1200e-f6bc-423c-b2b7-3ecf2bfcde9e" xmlns:ns4="0fdca4a8-239c-4dec-a846-4028a9ba5cdb" targetNamespace="http://schemas.microsoft.com/office/2006/metadata/properties" ma:root="true" ma:fieldsID="228d520f433247b66db1b10185a6cf2a" ns3:_="" ns4:_="">
+    <xsd:import namespace="94d1200e-f6bc-423c-b2b7-3ecf2bfcde9e"/>
+    <xsd:import namespace="0fdca4a8-239c-4dec-a846-4028a9ba5cdb"/>
+    <xsd:element name="properties">
+      <xsd:complexType>
+        <xsd:sequence>
+          <xsd:element name="documentManagement">
+            <xsd:complexType>
+              <xsd:all>
+                <xsd:element ref="ns3:_activity" minOccurs="0"/>
+                <xsd:element ref="ns4:SharedWithUsers" minOccurs="0"/>
+                <xsd:element ref="ns4:SharedWithDetails" minOccurs="0"/>
+                <xsd:element ref="ns4:SharingHintHash" minOccurs="0"/>
+                <xsd:element ref="ns3:MediaServiceMetadata" minOccurs="0"/>
+                <xsd:element ref="ns3:MediaServiceFastMetadata" minOccurs="0"/>
+                <xsd:element ref="ns3:MediaServiceObjectDetectorVersions" minOccurs="0"/>
+              </xsd:all>
+            </xsd:complexType>
+          </xsd:element>
+        </xsd:sequence>
+      </xsd:complexType>
+    </xsd:element>
+  </xsd:schema>
+  <xsd:schema xmlns:xsd="http://www.w3.org/2001/XMLSchema" xmlns:xs="http://www.w3.org/2001/XMLSchema" xmlns:dms="http://schemas.microsoft.com/office/2006/documentManagement/types" xmlns:pc="http://schemas.microsoft.com/office/infopath/2007/PartnerControls" targetNamespace="94d1200e-f6bc-423c-b2b7-3ecf2bfcde9e" elementFormDefault="qualified">
+    <xsd:import namespace="http://schemas.microsoft.com/office/2006/documentManagement/types"/>
+    <xsd:import namespace="http://schemas.microsoft.com/office/infopath/2007/PartnerControls"/>
+    <xsd:element name="_activity" ma:index="8" nillable="true" ma:displayName="_activity" ma:hidden="true" ma:internalName="_activity">
+      <xsd:simpleType>
+        <xsd:restriction base="dms:Note"/>
+      </xsd:simpleType>
+    </xsd:element>
+    <xsd:element name="MediaServiceMetadata" ma:index="12" nillable="true" ma:displayName="MediaServiceMetadata" ma:hidden="true" ma:internalName="MediaServiceMetadata" ma:readOnly="true">
+      <xsd:simpleType>
+        <xsd:restriction base="dms:Note"/>
+      </xsd:simpleType>
+    </xsd:element>
+    <xsd:element name="MediaServiceFastMetadata" ma:index="13" nillable="true" ma:displayName="MediaServiceFastMetadata" ma:hidden="true" ma:internalName="MediaServiceFastMetadata" ma:readOnly="true">
+      <xsd:simpleType>
+        <xsd:restriction base="dms:Note"/>
+      </xsd:simpleType>
+    </xsd:element>
+    <xsd:element name="MediaServiceObjectDetectorVersions" ma:index="14" nillable="true" ma:displayName="MediaServiceObjectDetectorVersions" ma:hidden="true" ma:indexed="true" ma:internalName="MediaServiceObjectDetectorVersions" ma:readOnly="true">
+      <xsd:simpleType>
+        <xsd:restriction base="dms:Text"/>
+      </xsd:simpleType>
+    </xsd:element>
+  </xsd:schema>
+  <xsd:schema xmlns:xsd="http://www.w3.org/2001/XMLSchema" xmlns:xs="http://www.w3.org/2001/XMLSchema" xmlns:dms="http://schemas.microsoft.com/office/2006/documentManagement/types" xmlns:pc="http://schemas.microsoft.com/office/infopath/2007/PartnerControls" targetNamespace="0fdca4a8-239c-4dec-a846-4028a9ba5cdb" elementFormDefault="qualified">
+    <xsd:import namespace="http://schemas.microsoft.com/office/2006/documentManagement/types"/>
+    <xsd:import namespace="http://schemas.microsoft.com/office/infopath/2007/PartnerControls"/>
+    <xsd:element name="SharedWithUsers" ma:index="9" nillable="true" ma:displayName="Shared With" ma:internalName="SharedWithUsers" ma:readOnly="true">
+      <xsd:complexType>
+        <xsd:complexContent>
+          <xsd:extension base="dms:UserMulti">
+            <xsd:sequence>
+              <xsd:element name="UserInfo" minOccurs="0" maxOccurs="unbounded">
+                <xsd:complexType>
+                  <xsd:sequence>
+                    <xsd:element name="DisplayName" type="xsd:string" minOccurs="0"/>
+                    <xsd:element name="AccountId" type="dms:UserId" minOccurs="0" nillable="true"/>
+                    <xsd:element name="AccountType" type="xsd:string" minOccurs="0"/>
+                  </xsd:sequence>
+                </xsd:complexType>
+              </xsd:element>
+            </xsd:sequence>
+          </xsd:extension>
+        </xsd:complexContent>
+      </xsd:complexType>
+    </xsd:element>
+    <xsd:element name="SharedWithDetails" ma:index="10" nillable="true" ma:displayName="Shared With Details" ma:internalName="SharedWithDetails" ma:readOnly="true">
+      <xsd:simpleType>
+        <xsd:restriction base="dms:Note">
+          <xsd:maxLength value="255"/>
+        </xsd:restriction>
+      </xsd:simpleType>
+    </xsd:element>
+    <xsd:element name="SharingHintHash" ma:index="11" nillable="true" ma:displayName="Sharing Hint Hash" ma:hidden="true" ma:internalName="SharingHintHash" ma:readOnly="true">
+      <xsd:simpleType>
+        <xsd:restriction base="dms:Text"/>
+      </xsd:simpleType>
+    </xsd:element>
+  </xsd:schema>
+  <xsd:schema xmlns="http://schemas.openxmlformats.org/package/2006/metadata/core-properties" xmlns:xsd="http://www.w3.org/2001/XMLSchema" xmlns:xsi="http://www.w3.org/2001/XMLSchema-instance" xmlns:dc="http://purl.org/dc/elements/1.1/" xmlns:dcterms="http://purl.org/dc/terms/" xmlns:odoc="http://schemas.microsoft.com/internal/obd" targetNamespace="http://schemas.openxmlformats.org/package/2006/metadata/core-properties" elementFormDefault="qualified" attributeFormDefault="unqualified" blockDefault="#all">
+    <xsd:import namespace="http://purl.org/dc/elements/1.1/" schemaLocation="http://dublincore.org/schemas/xmls/qdc/2003/04/02/dc.xsd"/>
+    <xsd:import namespace="http://purl.org/dc/terms/" schemaLocation="http://dublincore.org/schemas/xmls/qdc/2003/04/02/dcterms.xsd"/>
+    <xsd:element name="coreProperties" type="CT_coreProperties"/>
+    <xsd:complexType name="CT_coreProperties">
+      <xsd:all>
+        <xsd:element ref="dc:creator" minOccurs="0" maxOccurs="1"/>
+        <xsd:element ref="dcterms:created" minOccurs="0" maxOccurs="1"/>
+        <xsd:element ref="dc:identifier" minOccurs="0" maxOccurs="1"/>
+        <xsd:element name="contentType" minOccurs="0" maxOccurs="1" type="xsd:string" ma:index="0" ma:displayName="Content Type"/>
+        <xsd:element ref="dc:title" minOccurs="0" maxOccurs="1" ma:index="4" ma:displayName="Title"/>
+        <xsd:element ref="dc:subject" minOccurs="0" maxOccurs="1"/>
+        <xsd:element ref="dc:description" minOccurs="0" maxOccurs="1"/>
+        <xsd:element name="keywords" minOccurs="0" maxOccurs="1" type="xsd:string"/>
+        <xsd:element ref="dc:language" minOccurs="0" maxOccurs="1"/>
+        <xsd:element name="category" minOccurs="0" maxOccurs="1" type="xsd:string"/>
+        <xsd:element name="version" minOccurs="0" maxOccurs="1" type="xsd:string"/>
+        <xsd:element name="revision" minOccurs="0" maxOccurs="1" type="xsd:string">
+          <xsd:annotation>
+            <xsd:documentation>
+                        This value indicates the number of saves or revisions. The application is responsible for updating this value after each revision.
+                    </xsd:documentation>
+          </xsd:annotation>
+        </xsd:element>
+        <xsd:element name="lastModifiedBy" minOccurs="0" maxOccurs="1" type="xsd:string"/>
+        <xsd:element ref="dcterms:modified" minOccurs="0" maxOccurs="1"/>
+        <xsd:element name="contentStatus" minOccurs="0" maxOccurs="1" type="xsd:string"/>
+      </xsd:all>
+    </xsd:complexType>
+  </xsd:schema>
+  <xs:schema xmlns:pc="http://schemas.microsoft.com/office/infopath/2007/PartnerControls" xmlns:xs="http://www.w3.org/2001/XMLSchema" targetNamespace="http://schemas.microsoft.com/office/infopath/2007/PartnerControls" elementFormDefault="qualified" attributeFormDefault="unqualified">
+    <xs:element name="Person">
+      <xs:complexType>
+        <xs:sequence>
+          <xs:element ref="pc:DisplayName" minOccurs="0"/>
+          <xs:element ref="pc:AccountId" minOccurs="0"/>
+          <xs:element ref="pc:AccountType" minOccurs="0"/>
+        </xs:sequence>
+      </xs:complexType>
+    </xs:element>
+    <xs:element name="DisplayName" type="xs:string"/>
+    <xs:element name="AccountId" type="xs:string"/>
+    <xs:element name="AccountType" type="xs:string"/>
+    <xs:element name="BDCAssociatedEntity">
+      <xs:complexType>
+        <xs:sequence>
+          <xs:element ref="pc:BDCEntity" minOccurs="0" maxOccurs="unbounded"/>
+        </xs:sequence>
+        <xs:attribute ref="pc:EntityNamespace"/>
+        <xs:attribute ref="pc:EntityName"/>
+        <xs:attribute ref="pc:SystemInstanceName"/>
+        <xs:attribute ref="pc:AssociationName"/>
+      </xs:complexType>
+    </xs:element>
+    <xs:attribute name="EntityNamespace" type="xs:string"/>
+    <xs:attribute name="EntityName" type="xs:string"/>
+    <xs:attribute name="SystemInstanceName" type="xs:string"/>
+    <xs:attribute name="AssociationName" type="xs:string"/>
+    <xs:element name="BDCEntity">
+      <xs:complexType>
+        <xs:sequence>
+          <xs:element ref="pc:EntityDisplayName" minOccurs="0"/>
+          <xs:element ref="pc:EntityInstanceReference" minOccurs="0"/>
+          <xs:element ref="pc:EntityId1" minOccurs="0"/>
+          <xs:element ref="pc:EntityId2" minOccurs="0"/>
+          <xs:element ref="pc:EntityId3" minOccurs="0"/>
+          <xs:element ref="pc:EntityId4" minOccurs="0"/>
+          <xs:element ref="pc:EntityId5" minOccurs="0"/>
+        </xs:sequence>
+      </xs:complexType>
+    </xs:element>
+    <xs:element name="EntityDisplayName" type="xs:string"/>
+    <xs:element name="EntityInstanceReference" type="xs:string"/>
+    <xs:element name="EntityId1" type="xs:string"/>
+    <xs:element name="EntityId2" type="xs:string"/>
+    <xs:element name="EntityId3" type="xs:string"/>
+    <xs:element name="EntityId4" type="xs:string"/>
+    <xs:element name="EntityId5" type="xs:string"/>
+    <xs:element name="Terms">
+      <xs:complexType>
+        <xs:sequence>
+          <xs:element ref="pc:TermInfo" minOccurs="0" maxOccurs="unbounded"/>
+        </xs:sequence>
+      </xs:complexType>
+    </xs:element>
+    <xs:element name="TermInfo">
+      <xs:complexType>
+        <xs:sequence>
+          <xs:element ref="pc:TermName" minOccurs="0"/>
+          <xs:element ref="pc:TermId" minOccurs="0"/>
+        </xs:sequence>
+      </xs:complexType>
+    </xs:element>
+    <xs:element name="TermName" type="xs:string"/>
+    <xs:element name="TermId" type="xs:string"/>
+  </xs:schema>
+</ct:contentTypeSchema>
+</file>
+
+<file path=customXml/item3.xml><?xml version="1.0" encoding="utf-8"?>
+<p:properties xmlns:p="http://schemas.microsoft.com/office/2006/metadata/properties" xmlns:xsi="http://www.w3.org/2001/XMLSchema-instance" xmlns:pc="http://schemas.microsoft.com/office/infopath/2007/PartnerControls">
+  <documentManagement>
+    <_activity xmlns="94d1200e-f6bc-423c-b2b7-3ecf2bfcde9e" xsi:nil="true"/>
+  </documentManagement>
+</p:properties>
+</file>
+
+<file path=customXml/itemProps1.xml><?xml version="1.0" encoding="utf-8"?>
+<ds:datastoreItem xmlns:ds="http://schemas.openxmlformats.org/officeDocument/2006/customXml" ds:itemID="{DC2066D7-459F-46EC-B154-44DBE16ABBEF}">
+  <ds:schemaRefs>
+    <ds:schemaRef ds:uri="http://schemas.microsoft.com/sharepoint/v3/contenttype/forms"/>
+  </ds:schemaRefs>
+</ds:datastoreItem>
+</file>
+
+<file path=customXml/itemProps2.xml><?xml version="1.0" encoding="utf-8"?>
+<ds:datastoreItem xmlns:ds="http://schemas.openxmlformats.org/officeDocument/2006/customXml" ds:itemID="{B46C3448-EDD1-4FB7-8CEF-EFB73EC590D3}">
+  <ds:schemaRefs>
+    <ds:schemaRef ds:uri="http://schemas.microsoft.com/office/2006/metadata/contentType"/>
+    <ds:schemaRef ds:uri="http://schemas.microsoft.com/office/2006/metadata/properties/metaAttributes"/>
+    <ds:schemaRef ds:uri="http://www.w3.org/2001/XMLSchema"/>
+    <ds:schemaRef ds:uri="http://schemas.microsoft.com/office/2006/metadata/properties"/>
+    <ds:schemaRef ds:uri="94d1200e-f6bc-423c-b2b7-3ecf2bfcde9e"/>
+    <ds:schemaRef ds:uri="0fdca4a8-239c-4dec-a846-4028a9ba5cdb"/>
+    <ds:schemaRef ds:uri="http://schemas.microsoft.com/office/2006/documentManagement/types"/>
+    <ds:schemaRef ds:uri="http://schemas.microsoft.com/office/infopath/2007/PartnerControls"/>
+    <ds:schemaRef ds:uri="http://schemas.openxmlformats.org/package/2006/metadata/core-properties"/>
+    <ds:schemaRef ds:uri="http://purl.org/dc/elements/1.1/"/>
+    <ds:schemaRef ds:uri="http://purl.org/dc/terms/"/>
+    <ds:schemaRef ds:uri="http://schemas.microsoft.com/internal/obd"/>
+  </ds:schemaRefs>
+</ds:datastoreItem>
+</file>
+
+<file path=customXml/itemProps3.xml><?xml version="1.0" encoding="utf-8"?>
+<ds:datastoreItem xmlns:ds="http://schemas.openxmlformats.org/officeDocument/2006/customXml" ds:itemID="{89320703-4D0F-4441-8347-2EAA4C49F3F4}">
+  <ds:schemaRefs>
+    <ds:schemaRef ds:uri="0fdca4a8-239c-4dec-a846-4028a9ba5cdb"/>
+    <ds:schemaRef ds:uri="http://purl.org/dc/dcmitype/"/>
+    <ds:schemaRef ds:uri="http://purl.org/dc/terms/"/>
+    <ds:schemaRef ds:uri="http://schemas.microsoft.com/office/2006/documentManagement/types"/>
+    <ds:schemaRef ds:uri="http://purl.org/dc/elements/1.1/"/>
+    <ds:schemaRef ds:uri="http://schemas.microsoft.com/office/infopath/2007/PartnerControls"/>
+    <ds:schemaRef ds:uri="http://schemas.openxmlformats.org/package/2006/metadata/core-properties"/>
+    <ds:schemaRef ds:uri="94d1200e-f6bc-423c-b2b7-3ecf2bfcde9e"/>
+    <ds:schemaRef ds:uri="http://schemas.microsoft.com/office/2006/metadata/properties"/>
+    <ds:schemaRef ds:uri="http://www.w3.org/XML/1998/namespace"/>
+  </ds:schemaRefs>
+</ds:datastoreItem>
 </file>